--- a/presentations/Updates 2-4-21.pptx
+++ b/presentations/Updates 2-4-21.pptx
@@ -6,10 +6,10 @@
     <p:sldMasterId id="2147483699" r:id="rId2"/>
   </p:sldMasterIdLst>
   <p:notesMasterIdLst>
-    <p:notesMasterId r:id="rId10"/>
+    <p:notesMasterId r:id="rId13"/>
   </p:notesMasterIdLst>
   <p:handoutMasterIdLst>
-    <p:handoutMasterId r:id="rId11"/>
+    <p:handoutMasterId r:id="rId14"/>
   </p:handoutMasterIdLst>
   <p:sldIdLst>
     <p:sldId id="304" r:id="rId3"/>
@@ -17,8 +17,11 @@
     <p:sldId id="305" r:id="rId5"/>
     <p:sldId id="314" r:id="rId6"/>
     <p:sldId id="315" r:id="rId7"/>
-    <p:sldId id="316" r:id="rId8"/>
-    <p:sldId id="317" r:id="rId9"/>
+    <p:sldId id="317" r:id="rId8"/>
+    <p:sldId id="318" r:id="rId9"/>
+    <p:sldId id="319" r:id="rId10"/>
+    <p:sldId id="320" r:id="rId11"/>
+    <p:sldId id="321" r:id="rId12"/>
   </p:sldIdLst>
   <p:sldSz cx="9144000" cy="5143500" type="screen16x9"/>
   <p:notesSz cx="6858000" cy="9144000"/>
@@ -6595,7 +6598,7 @@
             </a:pPr>
             <a:r>
               <a:rPr lang="en-US" dirty="0"/>
-              <a:t>Initial RRAM Characteristics</a:t>
+              <a:t>RRAM Programming</a:t>
             </a:r>
             <a:endParaRPr lang="en-US" dirty="0">
               <a:solidFill>
@@ -6608,6 +6611,120 @@
         </p:txBody>
       </p:sp>
     </p:spTree>
+  </p:cSld>
+  <p:clrMapOvr>
+    <a:masterClrMapping/>
+  </p:clrMapOvr>
+  <p:transition spd="slow">
+    <p:fade/>
+  </p:transition>
+</p:sld>
+</file>
+
+<file path=ppt/slides/slide10.xml><?xml version="1.0" encoding="utf-8"?>
+<p:sld xmlns:a="http://schemas.openxmlformats.org/drawingml/2006/main" xmlns:r="http://schemas.openxmlformats.org/officeDocument/2006/relationships" xmlns:p="http://schemas.openxmlformats.org/presentationml/2006/main">
+  <p:cSld>
+    <p:spTree>
+      <p:nvGrpSpPr>
+        <p:cNvPr id="1" name=""/>
+        <p:cNvGrpSpPr/>
+        <p:nvPr/>
+      </p:nvGrpSpPr>
+      <p:grpSpPr>
+        <a:xfrm>
+          <a:off x="0" y="0"/>
+          <a:ext cx="0" cy="0"/>
+          <a:chOff x="0" y="0"/>
+          <a:chExt cx="0" cy="0"/>
+        </a:xfrm>
+      </p:grpSpPr>
+      <p:sp>
+        <p:nvSpPr>
+          <p:cNvPr id="2" name="Title 1">
+            <a:extLst>
+              <a:ext uri="{FF2B5EF4-FFF2-40B4-BE49-F238E27FC236}">
+                <a16:creationId xmlns:a16="http://schemas.microsoft.com/office/drawing/2014/main" id="{6163A5AB-7367-3B44-97E4-0F30B2DC0796}"/>
+              </a:ext>
+            </a:extLst>
+          </p:cNvPr>
+          <p:cNvSpPr>
+            <a:spLocks noGrp="1"/>
+          </p:cNvSpPr>
+          <p:nvPr>
+            <p:ph type="title"/>
+          </p:nvPr>
+        </p:nvSpPr>
+        <p:spPr/>
+        <p:txBody>
+          <a:bodyPr/>
+          <a:lstStyle/>
+          <a:p>
+            <a:r>
+              <a:rPr lang="en-US" dirty="0"/>
+              <a:t>Iterative Improvement</a:t>
+            </a:r>
+          </a:p>
+        </p:txBody>
+      </p:sp>
+      <p:sp>
+        <p:nvSpPr>
+          <p:cNvPr id="3" name="Content Placeholder 2">
+            <a:extLst>
+              <a:ext uri="{FF2B5EF4-FFF2-40B4-BE49-F238E27FC236}">
+                <a16:creationId xmlns:a16="http://schemas.microsoft.com/office/drawing/2014/main" id="{610AE545-DC14-0B43-8BE8-4DC6D873F2AF}"/>
+              </a:ext>
+            </a:extLst>
+          </p:cNvPr>
+          <p:cNvSpPr>
+            <a:spLocks noGrp="1"/>
+          </p:cNvSpPr>
+          <p:nvPr>
+            <p:ph sz="quarter" idx="10"/>
+          </p:nvPr>
+        </p:nvSpPr>
+        <p:spPr/>
+        <p:txBody>
+          <a:bodyPr/>
+          <a:lstStyle/>
+          <a:p>
+            <a:r>
+              <a:rPr lang="en-US" dirty="0"/>
+              <a:t>Narrowing of resistance distributions</a:t>
+            </a:r>
+          </a:p>
+        </p:txBody>
+      </p:sp>
+      <p:sp>
+        <p:nvSpPr>
+          <p:cNvPr id="4" name="Content Placeholder 3">
+            <a:extLst>
+              <a:ext uri="{FF2B5EF4-FFF2-40B4-BE49-F238E27FC236}">
+                <a16:creationId xmlns:a16="http://schemas.microsoft.com/office/drawing/2014/main" id="{EE955C07-42A2-6649-9EAA-895BEFEF650D}"/>
+              </a:ext>
+            </a:extLst>
+          </p:cNvPr>
+          <p:cNvSpPr>
+            <a:spLocks noGrp="1"/>
+          </p:cNvSpPr>
+          <p:nvPr>
+            <p:ph sz="quarter" idx="11"/>
+          </p:nvPr>
+        </p:nvSpPr>
+        <p:spPr/>
+        <p:txBody>
+          <a:bodyPr/>
+          <a:lstStyle/>
+          <a:p>
+            <a:endParaRPr lang="en-US" dirty="0"/>
+          </a:p>
+        </p:txBody>
+      </p:sp>
+    </p:spTree>
+    <p:extLst>
+      <p:ext uri="{BB962C8B-B14F-4D97-AF65-F5344CB8AC3E}">
+        <p14:creationId xmlns:p14="http://schemas.microsoft.com/office/powerpoint/2010/main" val="2874947509"/>
+      </p:ext>
+    </p:extLst>
   </p:cSld>
   <p:clrMapOvr>
     <a:masterClrMapping/>
@@ -6681,7 +6798,9 @@
         </p:nvSpPr>
         <p:spPr/>
         <p:txBody>
-          <a:bodyPr/>
+          <a:bodyPr>
+            <a:normAutofit lnSpcReduction="10000"/>
+          </a:bodyPr>
           <a:lstStyle/>
           <a:p>
             <a:pPr>
@@ -6720,8 +6839,12 @@
             </a:pPr>
             <a:r>
               <a:rPr lang="en-US" dirty="0"/>
-              <a:t>Speed optimizations</a:t>
-            </a:r>
+              <a:t>Speed + yield optimizations</a:t>
+            </a:r>
+          </a:p>
+          <a:p>
+            <a:pPr marL="0" indent="0"/>
+            <a:endParaRPr lang="en-US" dirty="0"/>
           </a:p>
           <a:p>
             <a:pPr>
@@ -6730,7 +6853,7 @@
             </a:pPr>
             <a:r>
               <a:rPr lang="en-US" dirty="0"/>
-              <a:t>Some yield optimizations</a:t>
+              <a:t>Done with full array FORM</a:t>
             </a:r>
           </a:p>
           <a:p>
@@ -6740,7 +6863,7 @@
             </a:pPr>
             <a:r>
               <a:rPr lang="en-US" dirty="0"/>
-              <a:t>Done with full array FORM</a:t>
+              <a:t>Done with full array yield analysis</a:t>
             </a:r>
           </a:p>
           <a:p>
@@ -6750,7 +6873,7 @@
             </a:pPr>
             <a:r>
               <a:rPr lang="en-US" dirty="0"/>
-              <a:t>Done with full array yield analysis</a:t>
+              <a:t>Done with full array programming of one array</a:t>
             </a:r>
           </a:p>
           <a:p>
@@ -6761,20 +6884,33 @@
             <a:endParaRPr lang="en-US" dirty="0"/>
           </a:p>
           <a:p>
-            <a:pPr marL="0" indent="0"/>
-            <a:r>
-              <a:rPr lang="en-US" dirty="0"/>
-              <a:t>In progress (running currently):</a:t>
-            </a:r>
-          </a:p>
-          <a:p>
             <a:pPr>
               <a:buFont typeface="Arial" panose="020B0604020202020204" pitchFamily="34" charset="0"/>
               <a:buChar char="•"/>
             </a:pPr>
             <a:r>
               <a:rPr lang="en-US" dirty="0"/>
-              <a:t>Full array programming</a:t>
+              <a:t>In progress:</a:t>
+            </a:r>
+          </a:p>
+          <a:p>
+            <a:pPr lvl="2">
+              <a:buFont typeface="Arial" panose="020B0604020202020204" pitchFamily="34" charset="0"/>
+              <a:buChar char="•"/>
+            </a:pPr>
+            <a:r>
+              <a:rPr lang="en-US" dirty="0"/>
+              <a:t>Process more arrays with different LRS/HRS</a:t>
+            </a:r>
+          </a:p>
+          <a:p>
+            <a:pPr lvl="2">
+              <a:buFont typeface="Arial" panose="020B0604020202020204" pitchFamily="34" charset="0"/>
+              <a:buChar char="•"/>
+            </a:pPr>
+            <a:r>
+              <a:rPr lang="en-US" dirty="0"/>
+              <a:t>Finalize figures</a:t>
             </a:r>
           </a:p>
         </p:txBody>
@@ -7956,7 +8092,7 @@
           <a:p>
             <a:r>
               <a:rPr lang="en-US" dirty="0"/>
-              <a:t>2 cells/s</a:t>
+              <a:t>4 cells/s</a:t>
             </a:r>
           </a:p>
           <a:p>
@@ -7968,7 +8104,7 @@
           <a:p>
             <a:r>
               <a:rPr lang="en-US" dirty="0"/>
-              <a:t>8 </a:t>
+              <a:t>6 </a:t>
             </a:r>
             <a:r>
               <a:rPr lang="en-US" dirty="0" err="1"/>
@@ -7977,6 +8113,87 @@
             <a:r>
               <a:rPr lang="en-US" dirty="0"/>
               <a:t>/array</a:t>
+            </a:r>
+          </a:p>
+        </p:txBody>
+      </p:sp>
+      <p:cxnSp>
+        <p:nvCxnSpPr>
+          <p:cNvPr id="10" name="Straight Arrow Connector 9">
+            <a:extLst>
+              <a:ext uri="{FF2B5EF4-FFF2-40B4-BE49-F238E27FC236}">
+                <a16:creationId xmlns:a16="http://schemas.microsoft.com/office/drawing/2014/main" id="{437F4562-9A5A-834B-A330-D831C079495B}"/>
+              </a:ext>
+            </a:extLst>
+          </p:cNvPr>
+          <p:cNvCxnSpPr/>
+          <p:nvPr/>
+        </p:nvCxnSpPr>
+        <p:spPr>
+          <a:xfrm flipH="1">
+            <a:off x="5754697" y="761087"/>
+            <a:ext cx="1231976" cy="689907"/>
+          </a:xfrm>
+          <a:prstGeom prst="straightConnector1">
+            <a:avLst/>
+          </a:prstGeom>
+          <a:ln>
+            <a:solidFill>
+              <a:srgbClr val="FF0000"/>
+            </a:solidFill>
+            <a:tailEnd type="triangle"/>
+          </a:ln>
+        </p:spPr>
+        <p:style>
+          <a:lnRef idx="2">
+            <a:schemeClr val="accent1"/>
+          </a:lnRef>
+          <a:fillRef idx="0">
+            <a:schemeClr val="accent1"/>
+          </a:fillRef>
+          <a:effectRef idx="1">
+            <a:schemeClr val="accent1"/>
+          </a:effectRef>
+          <a:fontRef idx="minor">
+            <a:schemeClr val="tx1"/>
+          </a:fontRef>
+        </p:style>
+      </p:cxnSp>
+      <p:sp>
+        <p:nvSpPr>
+          <p:cNvPr id="11" name="TextBox 10">
+            <a:extLst>
+              <a:ext uri="{FF2B5EF4-FFF2-40B4-BE49-F238E27FC236}">
+                <a16:creationId xmlns:a16="http://schemas.microsoft.com/office/drawing/2014/main" id="{B00716BE-7814-3642-AF5C-EBB709427B2C}"/>
+              </a:ext>
+            </a:extLst>
+          </p:cNvPr>
+          <p:cNvSpPr txBox="1"/>
+          <p:nvPr/>
+        </p:nvSpPr>
+        <p:spPr>
+          <a:xfrm>
+            <a:off x="6158124" y="484088"/>
+            <a:ext cx="1824538" cy="276999"/>
+          </a:xfrm>
+          <a:prstGeom prst="rect">
+            <a:avLst/>
+          </a:prstGeom>
+          <a:noFill/>
+        </p:spPr>
+        <p:txBody>
+          <a:bodyPr wrap="none" rtlCol="0">
+            <a:spAutoFit/>
+          </a:bodyPr>
+          <a:lstStyle/>
+          <a:p>
+            <a:r>
+              <a:rPr lang="en-US" sz="1200" dirty="0">
+                <a:solidFill>
+                  <a:srgbClr val="FF0000"/>
+                </a:solidFill>
+              </a:rPr>
+              <a:t>Switched to analog driver</a:t>
             </a:r>
           </a:p>
         </p:txBody>
@@ -8149,12 +8366,8 @@
           <a:lstStyle/>
           <a:p>
             <a:r>
-              <a:rPr lang="en-US" dirty="0" err="1"/>
-              <a:t>FORMing</a:t>
-            </a:r>
-            <a:r>
               <a:rPr lang="en-US" dirty="0"/>
-              <a:t> Statistics and Yield</a:t>
+              <a:t>Full-Array FORMing Yield</a:t>
             </a:r>
           </a:p>
         </p:txBody>
@@ -8188,35 +8401,6 @@
           </a:xfrm>
         </p:spPr>
       </p:pic>
-      <p:pic>
-        <p:nvPicPr>
-          <p:cNvPr id="9" name="Content Placeholder 8">
-            <a:extLst>
-              <a:ext uri="{FF2B5EF4-FFF2-40B4-BE49-F238E27FC236}">
-                <a16:creationId xmlns:a16="http://schemas.microsoft.com/office/drawing/2014/main" id="{F0EB41EE-7768-D447-A9C1-816B57B55E75}"/>
-              </a:ext>
-            </a:extLst>
-          </p:cNvPr>
-          <p:cNvPicPr>
-            <a:picLocks noGrp="1" noChangeAspect="1"/>
-          </p:cNvPicPr>
-          <p:nvPr>
-            <p:ph sz="quarter" idx="11"/>
-          </p:nvPr>
-        </p:nvPicPr>
-        <p:blipFill>
-          <a:blip r:embed="rId3"/>
-          <a:stretch>
-            <a:fillRect/>
-          </a:stretch>
-        </p:blipFill>
-        <p:spPr>
-          <a:xfrm>
-            <a:off x="4887119" y="908050"/>
-            <a:ext cx="3759200" cy="3759200"/>
-          </a:xfrm>
-        </p:spPr>
-      </p:pic>
       <p:sp>
         <p:nvSpPr>
           <p:cNvPr id="7" name="TextBox 6">
@@ -8232,7 +8416,7 @@
         <p:spPr>
           <a:xfrm>
             <a:off x="1619800" y="1724767"/>
-            <a:ext cx="1223412" cy="369332"/>
+            <a:ext cx="1443024" cy="646331"/>
           </a:xfrm>
           <a:prstGeom prst="rect">
             <a:avLst/>
@@ -8251,7 +8435,109 @@
                   <a:srgbClr val="FF0000"/>
                 </a:solidFill>
               </a:rPr>
-              <a:t>39 Failures</a:t>
+              <a:t>Initial:</a:t>
+            </a:r>
+          </a:p>
+          <a:p>
+            <a:r>
+              <a:rPr lang="en-US" dirty="0">
+                <a:solidFill>
+                  <a:srgbClr val="FF0000"/>
+                </a:solidFill>
+              </a:rPr>
+              <a:t>39 Failures…</a:t>
+            </a:r>
+          </a:p>
+        </p:txBody>
+      </p:sp>
+      <p:sp>
+        <p:nvSpPr>
+          <p:cNvPr id="11" name="Content Placeholder 10">
+            <a:extLst>
+              <a:ext uri="{FF2B5EF4-FFF2-40B4-BE49-F238E27FC236}">
+                <a16:creationId xmlns:a16="http://schemas.microsoft.com/office/drawing/2014/main" id="{031F97A3-3E99-BF45-A442-D27DB3A054FF}"/>
+              </a:ext>
+            </a:extLst>
+          </p:cNvPr>
+          <p:cNvSpPr>
+            <a:spLocks noGrp="1"/>
+          </p:cNvSpPr>
+          <p:nvPr>
+            <p:ph sz="quarter" idx="11"/>
+          </p:nvPr>
+        </p:nvSpPr>
+        <p:spPr/>
+        <p:txBody>
+          <a:bodyPr/>
+          <a:lstStyle/>
+          <a:p>
+            <a:pPr>
+              <a:buFont typeface="Arial" panose="020B0604020202020204" pitchFamily="34" charset="0"/>
+              <a:buChar char="•"/>
+            </a:pPr>
+            <a:r>
+              <a:rPr lang="en-US" dirty="0"/>
+              <a:t>Small number of FORM failures due to 1.5V VWL limit</a:t>
+            </a:r>
+          </a:p>
+          <a:p>
+            <a:pPr>
+              <a:buFont typeface="Arial" panose="020B0604020202020204" pitchFamily="34" charset="0"/>
+              <a:buChar char="•"/>
+            </a:pPr>
+            <a:r>
+              <a:rPr lang="en-US" dirty="0"/>
+              <a:t>Failures happen further down the BL/WL, probably due to IR drop</a:t>
+            </a:r>
+          </a:p>
+          <a:p>
+            <a:pPr>
+              <a:buFont typeface="Arial" panose="020B0604020202020204" pitchFamily="34" charset="0"/>
+              <a:buChar char="•"/>
+            </a:pPr>
+            <a:r>
+              <a:rPr lang="en-US" dirty="0"/>
+              <a:t>Important not to over-SET</a:t>
+            </a:r>
+          </a:p>
+          <a:p>
+            <a:pPr lvl="2">
+              <a:buFont typeface="Arial" panose="020B0604020202020204" pitchFamily="34" charset="0"/>
+              <a:buChar char="•"/>
+            </a:pPr>
+            <a:r>
+              <a:rPr lang="en-US" dirty="0"/>
+              <a:t>Cannot increase limit!</a:t>
+            </a:r>
+          </a:p>
+          <a:p>
+            <a:pPr>
+              <a:buFont typeface="Arial" panose="020B0604020202020204" pitchFamily="34" charset="0"/>
+              <a:buChar char="•"/>
+            </a:pPr>
+            <a:r>
+              <a:rPr lang="en-US" dirty="0"/>
+              <a:t>Rerunning FORM for failed cells successfully FORMed 38/39</a:t>
+            </a:r>
+          </a:p>
+          <a:p>
+            <a:pPr>
+              <a:buFont typeface="Arial" panose="020B0604020202020204" pitchFamily="34" charset="0"/>
+              <a:buChar char="•"/>
+            </a:pPr>
+            <a:r>
+              <a:rPr lang="en-US" dirty="0"/>
+              <a:t>Rerunning a second time on the final failed cell FORMed it</a:t>
+            </a:r>
+          </a:p>
+          <a:p>
+            <a:pPr>
+              <a:buFont typeface="Arial" panose="020B0604020202020204" pitchFamily="34" charset="0"/>
+              <a:buChar char="•"/>
+            </a:pPr>
+            <a:r>
+              <a:rPr lang="en-US" b="1" dirty="0"/>
+              <a:t>Result: 100% FORM yield!</a:t>
             </a:r>
           </a:p>
         </p:txBody>
@@ -8294,7 +8580,7 @@
           <p:cNvPr id="2" name="Title 1">
             <a:extLst>
               <a:ext uri="{FF2B5EF4-FFF2-40B4-BE49-F238E27FC236}">
-                <a16:creationId xmlns:a16="http://schemas.microsoft.com/office/drawing/2014/main" id="{796F26F6-9144-0C43-AE29-7491044218F1}"/>
+                <a16:creationId xmlns:a16="http://schemas.microsoft.com/office/drawing/2014/main" id="{303047CF-6E81-B24A-95DC-1EF0CA58A71E}"/>
               </a:ext>
             </a:extLst>
           </p:cNvPr>
@@ -8312,69 +8598,101 @@
           <a:p>
             <a:r>
               <a:rPr lang="en-US" dirty="0"/>
-              <a:t>Rerun FORM on failed cells</a:t>
+              <a:t>Full-Array FORMing Statistics</a:t>
             </a:r>
           </a:p>
         </p:txBody>
       </p:sp>
-      <p:sp>
-        <p:nvSpPr>
-          <p:cNvPr id="5" name="Content Placeholder 4">
+      <p:pic>
+        <p:nvPicPr>
+          <p:cNvPr id="7" name="Content Placeholder 6">
             <a:extLst>
               <a:ext uri="{FF2B5EF4-FFF2-40B4-BE49-F238E27FC236}">
-                <a16:creationId xmlns:a16="http://schemas.microsoft.com/office/drawing/2014/main" id="{56BAA8C2-99C1-2B41-872C-2B5F22B58027}"/>
+                <a16:creationId xmlns:a16="http://schemas.microsoft.com/office/drawing/2014/main" id="{594BFB45-7D9F-D64B-92BA-F5FDB0ED282A}"/>
               </a:ext>
             </a:extLst>
           </p:cNvPr>
-          <p:cNvSpPr>
-            <a:spLocks noGrp="1"/>
-          </p:cNvSpPr>
+          <p:cNvPicPr>
+            <a:picLocks noGrp="1" noChangeAspect="1"/>
+          </p:cNvPicPr>
           <p:nvPr>
             <p:ph sz="quarter" idx="10"/>
           </p:nvPr>
+        </p:nvPicPr>
+        <p:blipFill>
+          <a:blip r:embed="rId2"/>
+          <a:stretch>
+            <a:fillRect/>
+          </a:stretch>
+        </p:blipFill>
+        <p:spPr>
+          <a:xfrm>
+            <a:off x="963612" y="908050"/>
+            <a:ext cx="3759200" cy="3759200"/>
+          </a:xfrm>
+        </p:spPr>
+      </p:pic>
+      <p:pic>
+        <p:nvPicPr>
+          <p:cNvPr id="9" name="Content Placeholder 8">
+            <a:extLst>
+              <a:ext uri="{FF2B5EF4-FFF2-40B4-BE49-F238E27FC236}">
+                <a16:creationId xmlns:a16="http://schemas.microsoft.com/office/drawing/2014/main" id="{087DA8BB-2CDF-0D43-81DF-F6FB88C839AF}"/>
+              </a:ext>
+            </a:extLst>
+          </p:cNvPr>
+          <p:cNvPicPr>
+            <a:picLocks noGrp="1" noChangeAspect="1"/>
+          </p:cNvPicPr>
+          <p:nvPr>
+            <p:ph sz="quarter" idx="11"/>
+          </p:nvPr>
+        </p:nvPicPr>
+        <p:blipFill>
+          <a:blip r:embed="rId3"/>
+          <a:stretch>
+            <a:fillRect/>
+          </a:stretch>
+        </p:blipFill>
+        <p:spPr>
+          <a:xfrm>
+            <a:off x="4887119" y="908050"/>
+            <a:ext cx="3759200" cy="3759200"/>
+          </a:xfrm>
+        </p:spPr>
+      </p:pic>
+      <p:sp>
+        <p:nvSpPr>
+          <p:cNvPr id="10" name="TextBox 9">
+            <a:extLst>
+              <a:ext uri="{FF2B5EF4-FFF2-40B4-BE49-F238E27FC236}">
+                <a16:creationId xmlns:a16="http://schemas.microsoft.com/office/drawing/2014/main" id="{C3007D35-F83D-8042-B255-A4E914E389A1}"/>
+              </a:ext>
+            </a:extLst>
+          </p:cNvPr>
+          <p:cNvSpPr txBox="1"/>
+          <p:nvPr/>
         </p:nvSpPr>
-        <p:spPr/>
+        <p:spPr>
+          <a:xfrm>
+            <a:off x="2888815" y="4522349"/>
+            <a:ext cx="3996607" cy="261610"/>
+          </a:xfrm>
+          <a:prstGeom prst="rect">
+            <a:avLst/>
+          </a:prstGeom>
+          <a:noFill/>
+        </p:spPr>
         <p:txBody>
-          <a:bodyPr/>
+          <a:bodyPr wrap="none" rtlCol="0">
+            <a:spAutoFit/>
+          </a:bodyPr>
           <a:lstStyle/>
           <a:p>
-            <a:pPr>
-              <a:buFont typeface="Arial" panose="020B0604020202020204" pitchFamily="34" charset="0"/>
-              <a:buChar char="•"/>
-            </a:pPr>
-            <a:r>
-              <a:rPr lang="en-US" dirty="0"/>
-              <a:t>Important not to over-SET</a:t>
-            </a:r>
-          </a:p>
-          <a:p>
-            <a:pPr>
-              <a:buFont typeface="Arial" panose="020B0604020202020204" pitchFamily="34" charset="0"/>
-              <a:buChar char="•"/>
-            </a:pPr>
-            <a:r>
-              <a:rPr lang="en-US" dirty="0"/>
-              <a:t>Rerunning once more successfully FORMED 38/39 failed cells</a:t>
-            </a:r>
-          </a:p>
-          <a:p>
-            <a:pPr>
-              <a:buFont typeface="Arial" panose="020B0604020202020204" pitchFamily="34" charset="0"/>
-              <a:buChar char="•"/>
-            </a:pPr>
-            <a:r>
-              <a:rPr lang="en-US" dirty="0"/>
-              <a:t>After that, rerunning on the final failed cell FORMED it</a:t>
-            </a:r>
-          </a:p>
-          <a:p>
-            <a:pPr>
-              <a:buFont typeface="Arial" panose="020B0604020202020204" pitchFamily="34" charset="0"/>
-              <a:buChar char="•"/>
-            </a:pPr>
-            <a:r>
-              <a:rPr lang="en-US" dirty="0"/>
-              <a:t>Giving 100% yield!</a:t>
+            <a:pPr algn="ctr"/>
+            <a:r>
+              <a:rPr lang="en-US" sz="1100" dirty="0"/>
+              <a:t>Certain BLs seem to have higher VWL and hence lower resistance</a:t>
             </a:r>
           </a:p>
         </p:txBody>
@@ -8382,7 +8700,7 @@
     </p:spTree>
     <p:extLst>
       <p:ext uri="{BB962C8B-B14F-4D97-AF65-F5344CB8AC3E}">
-        <p14:creationId xmlns:p14="http://schemas.microsoft.com/office/powerpoint/2010/main" val="2427051044"/>
+        <p14:creationId xmlns:p14="http://schemas.microsoft.com/office/powerpoint/2010/main" val="1448853471"/>
       </p:ext>
     </p:extLst>
   </p:cSld>
@@ -8434,27 +8752,109 @@
           <a:lstStyle/>
           <a:p>
             <a:r>
-              <a:rPr lang="en-US" dirty="0" err="1"/>
-              <a:t>FORMing</a:t>
-            </a:r>
-            <a:r>
               <a:rPr lang="en-US" dirty="0"/>
-              <a:t> Statistics </a:t>
-            </a:r>
-            <a:r>
-              <a:rPr lang="en-US"/>
-              <a:t>and Yield (Final)</a:t>
-            </a:r>
-            <a:endParaRPr lang="en-US" dirty="0"/>
+              <a:t>Full-Array FORMing Statistics</a:t>
+            </a:r>
           </a:p>
         </p:txBody>
       </p:sp>
+      <p:pic>
+        <p:nvPicPr>
+          <p:cNvPr id="10" name="Content Placeholder 9">
+            <a:extLst>
+              <a:ext uri="{FF2B5EF4-FFF2-40B4-BE49-F238E27FC236}">
+                <a16:creationId xmlns:a16="http://schemas.microsoft.com/office/drawing/2014/main" id="{16F0613F-C886-6E4C-A15E-EBCC09320321}"/>
+              </a:ext>
+            </a:extLst>
+          </p:cNvPr>
+          <p:cNvPicPr>
+            <a:picLocks noGrp="1" noChangeAspect="1"/>
+          </p:cNvPicPr>
+          <p:nvPr>
+            <p:ph sz="quarter" idx="10"/>
+          </p:nvPr>
+        </p:nvPicPr>
+        <p:blipFill>
+          <a:blip r:embed="rId2"/>
+          <a:stretch>
+            <a:fillRect/>
+          </a:stretch>
+        </p:blipFill>
+        <p:spPr>
+          <a:xfrm>
+            <a:off x="949325" y="1366207"/>
+            <a:ext cx="3787775" cy="2842885"/>
+          </a:xfrm>
+        </p:spPr>
+      </p:pic>
+      <p:pic>
+        <p:nvPicPr>
+          <p:cNvPr id="12" name="Content Placeholder 11">
+            <a:extLst>
+              <a:ext uri="{FF2B5EF4-FFF2-40B4-BE49-F238E27FC236}">
+                <a16:creationId xmlns:a16="http://schemas.microsoft.com/office/drawing/2014/main" id="{13A945AB-44BA-9649-B5D0-C63337EFC1FA}"/>
+              </a:ext>
+            </a:extLst>
+          </p:cNvPr>
+          <p:cNvPicPr>
+            <a:picLocks noGrp="1" noChangeAspect="1"/>
+          </p:cNvPicPr>
+          <p:nvPr>
+            <p:ph sz="quarter" idx="11"/>
+          </p:nvPr>
+        </p:nvPicPr>
+        <p:blipFill>
+          <a:blip r:embed="rId3"/>
+          <a:stretch>
+            <a:fillRect/>
+          </a:stretch>
+        </p:blipFill>
+        <p:spPr>
+          <a:xfrm>
+            <a:off x="4876800" y="1369186"/>
+            <a:ext cx="3779838" cy="2836928"/>
+          </a:xfrm>
+        </p:spPr>
+      </p:pic>
+    </p:spTree>
+    <p:extLst>
+      <p:ext uri="{BB962C8B-B14F-4D97-AF65-F5344CB8AC3E}">
+        <p14:creationId xmlns:p14="http://schemas.microsoft.com/office/powerpoint/2010/main" val="216513152"/>
+      </p:ext>
+    </p:extLst>
+  </p:cSld>
+  <p:clrMapOvr>
+    <a:masterClrMapping/>
+  </p:clrMapOvr>
+  <p:transition spd="slow">
+    <p:fade/>
+  </p:transition>
+</p:sld>
+</file>
+
+<file path=ppt/slides/slide8.xml><?xml version="1.0" encoding="utf-8"?>
+<p:sld xmlns:a="http://schemas.openxmlformats.org/drawingml/2006/main" xmlns:r="http://schemas.openxmlformats.org/officeDocument/2006/relationships" xmlns:p="http://schemas.openxmlformats.org/presentationml/2006/main">
+  <p:cSld>
+    <p:spTree>
+      <p:nvGrpSpPr>
+        <p:cNvPr id="1" name=""/>
+        <p:cNvGrpSpPr/>
+        <p:nvPr/>
+      </p:nvGrpSpPr>
+      <p:grpSpPr>
+        <a:xfrm>
+          <a:off x="0" y="0"/>
+          <a:ext cx="0" cy="0"/>
+          <a:chOff x="0" y="0"/>
+          <a:chExt cx="0" cy="0"/>
+        </a:xfrm>
+      </p:grpSpPr>
       <p:sp>
         <p:nvSpPr>
-          <p:cNvPr id="3" name="Content Placeholder 2">
+          <p:cNvPr id="2" name="Title 1">
             <a:extLst>
               <a:ext uri="{FF2B5EF4-FFF2-40B4-BE49-F238E27FC236}">
-                <a16:creationId xmlns:a16="http://schemas.microsoft.com/office/drawing/2014/main" id="{0378E4E7-D79E-814F-9B82-301B11FDBF7F}"/>
+                <a16:creationId xmlns:a16="http://schemas.microsoft.com/office/drawing/2014/main" id="{0FAA1459-109F-0643-8664-D4A9BF61859D}"/>
               </a:ext>
             </a:extLst>
           </p:cNvPr>
@@ -8462,7 +8862,7 @@
             <a:spLocks noGrp="1"/>
           </p:cNvSpPr>
           <p:nvPr>
-            <p:ph sz="quarter" idx="10"/>
+            <p:ph type="title"/>
           </p:nvPr>
         </p:nvSpPr>
         <p:spPr/>
@@ -8470,14 +8870,188 @@
           <a:bodyPr/>
           <a:lstStyle/>
           <a:p>
-            <a:endParaRPr lang="en-US"/>
+            <a:r>
+              <a:rPr lang="en-US" dirty="0"/>
+              <a:t>Cell Programming</a:t>
+            </a:r>
+          </a:p>
+        </p:txBody>
+      </p:sp>
+      <p:pic>
+        <p:nvPicPr>
+          <p:cNvPr id="6" name="Content Placeholder 5">
+            <a:extLst>
+              <a:ext uri="{FF2B5EF4-FFF2-40B4-BE49-F238E27FC236}">
+                <a16:creationId xmlns:a16="http://schemas.microsoft.com/office/drawing/2014/main" id="{9815BE75-8C74-9A45-BA4E-A1C8E5EE7F2B}"/>
+              </a:ext>
+            </a:extLst>
+          </p:cNvPr>
+          <p:cNvPicPr>
+            <a:picLocks noGrp="1" noChangeAspect="1"/>
+          </p:cNvPicPr>
+          <p:nvPr>
+            <p:ph sz="quarter" idx="10"/>
+          </p:nvPr>
+        </p:nvPicPr>
+        <p:blipFill>
+          <a:blip r:embed="rId2"/>
+          <a:srcRect/>
+          <a:stretch/>
+        </p:blipFill>
+        <p:spPr>
+          <a:xfrm>
+            <a:off x="963612" y="908050"/>
+            <a:ext cx="3759200" cy="3759200"/>
+          </a:xfrm>
+        </p:spPr>
+      </p:pic>
+      <p:pic>
+        <p:nvPicPr>
+          <p:cNvPr id="8" name="Content Placeholder 7">
+            <a:extLst>
+              <a:ext uri="{FF2B5EF4-FFF2-40B4-BE49-F238E27FC236}">
+                <a16:creationId xmlns:a16="http://schemas.microsoft.com/office/drawing/2014/main" id="{6BBCBFB8-A9EB-5E4C-8AAA-D5A2BE26145D}"/>
+              </a:ext>
+            </a:extLst>
+          </p:cNvPr>
+          <p:cNvPicPr>
+            <a:picLocks noGrp="1" noChangeAspect="1"/>
+          </p:cNvPicPr>
+          <p:nvPr>
+            <p:ph sz="quarter" idx="11"/>
+          </p:nvPr>
+        </p:nvPicPr>
+        <p:blipFill>
+          <a:blip r:embed="rId3"/>
+          <a:srcRect/>
+          <a:stretch/>
+        </p:blipFill>
+        <p:spPr>
+          <a:xfrm>
+            <a:off x="4887119" y="908050"/>
+            <a:ext cx="3759200" cy="3759200"/>
+          </a:xfrm>
+        </p:spPr>
+      </p:pic>
+    </p:spTree>
+    <p:extLst>
+      <p:ext uri="{BB962C8B-B14F-4D97-AF65-F5344CB8AC3E}">
+        <p14:creationId xmlns:p14="http://schemas.microsoft.com/office/powerpoint/2010/main" val="4118552658"/>
+      </p:ext>
+    </p:extLst>
+  </p:cSld>
+  <p:clrMapOvr>
+    <a:masterClrMapping/>
+  </p:clrMapOvr>
+  <p:transition spd="slow">
+    <p:fade/>
+  </p:transition>
+</p:sld>
+</file>
+
+<file path=ppt/slides/slide9.xml><?xml version="1.0" encoding="utf-8"?>
+<p:sld xmlns:a="http://schemas.openxmlformats.org/drawingml/2006/main" xmlns:r="http://schemas.openxmlformats.org/officeDocument/2006/relationships" xmlns:p="http://schemas.openxmlformats.org/presentationml/2006/main">
+  <p:cSld>
+    <p:spTree>
+      <p:nvGrpSpPr>
+        <p:cNvPr id="1" name=""/>
+        <p:cNvGrpSpPr/>
+        <p:nvPr/>
+      </p:nvGrpSpPr>
+      <p:grpSpPr>
+        <a:xfrm>
+          <a:off x="0" y="0"/>
+          <a:ext cx="0" cy="0"/>
+          <a:chOff x="0" y="0"/>
+          <a:chExt cx="0" cy="0"/>
+        </a:xfrm>
+      </p:grpSpPr>
+      <p:sp>
+        <p:nvSpPr>
+          <p:cNvPr id="2" name="Title 1">
+            <a:extLst>
+              <a:ext uri="{FF2B5EF4-FFF2-40B4-BE49-F238E27FC236}">
+                <a16:creationId xmlns:a16="http://schemas.microsoft.com/office/drawing/2014/main" id="{0FAA1459-109F-0643-8664-D4A9BF61859D}"/>
+              </a:ext>
+            </a:extLst>
+          </p:cNvPr>
+          <p:cNvSpPr>
+            <a:spLocks noGrp="1"/>
+          </p:cNvSpPr>
+          <p:nvPr>
+            <p:ph type="title"/>
+          </p:nvPr>
+        </p:nvSpPr>
+        <p:spPr/>
+        <p:txBody>
+          <a:bodyPr/>
+          <a:lstStyle/>
+          <a:p>
+            <a:r>
+              <a:rPr lang="en-US" dirty="0"/>
+              <a:t>Cell Programming</a:t>
+            </a:r>
+          </a:p>
+        </p:txBody>
+      </p:sp>
+      <p:pic>
+        <p:nvPicPr>
+          <p:cNvPr id="6" name="Content Placeholder 5">
+            <a:extLst>
+              <a:ext uri="{FF2B5EF4-FFF2-40B4-BE49-F238E27FC236}">
+                <a16:creationId xmlns:a16="http://schemas.microsoft.com/office/drawing/2014/main" id="{425D5FC9-8A95-C14D-9702-A42E5E0E9554}"/>
+              </a:ext>
+            </a:extLst>
+          </p:cNvPr>
+          <p:cNvPicPr>
+            <a:picLocks noGrp="1" noChangeAspect="1"/>
+          </p:cNvPicPr>
+          <p:nvPr>
+            <p:ph sz="quarter" idx="10"/>
+          </p:nvPr>
+        </p:nvPicPr>
+        <p:blipFill>
+          <a:blip r:embed="rId2"/>
+          <a:stretch>
+            <a:fillRect/>
+          </a:stretch>
+        </p:blipFill>
+        <p:spPr>
+          <a:xfrm>
+            <a:off x="1014412" y="1416050"/>
+            <a:ext cx="3657600" cy="2743200"/>
+          </a:xfrm>
+        </p:spPr>
+      </p:pic>
+      <p:sp>
+        <p:nvSpPr>
+          <p:cNvPr id="4" name="Content Placeholder 3">
+            <a:extLst>
+              <a:ext uri="{FF2B5EF4-FFF2-40B4-BE49-F238E27FC236}">
+                <a16:creationId xmlns:a16="http://schemas.microsoft.com/office/drawing/2014/main" id="{071D438E-3902-9744-B3B1-B89F866B5B00}"/>
+              </a:ext>
+            </a:extLst>
+          </p:cNvPr>
+          <p:cNvSpPr>
+            <a:spLocks noGrp="1"/>
+          </p:cNvSpPr>
+          <p:nvPr>
+            <p:ph sz="quarter" idx="11"/>
+          </p:nvPr>
+        </p:nvSpPr>
+        <p:spPr/>
+        <p:txBody>
+          <a:bodyPr/>
+          <a:lstStyle/>
+          <a:p>
+            <a:endParaRPr lang="en-US" dirty="0"/>
           </a:p>
         </p:txBody>
       </p:sp>
     </p:spTree>
     <p:extLst>
       <p:ext uri="{BB962C8B-B14F-4D97-AF65-F5344CB8AC3E}">
-        <p14:creationId xmlns:p14="http://schemas.microsoft.com/office/powerpoint/2010/main" val="1448853471"/>
+        <p14:creationId xmlns:p14="http://schemas.microsoft.com/office/powerpoint/2010/main" val="3869544428"/>
       </p:ext>
     </p:extLst>
   </p:cSld>

--- a/presentations/Updates 2-4-21.pptx
+++ b/presentations/Updates 2-4-21.pptx
@@ -20,8 +20,8 @@
     <p:sldId id="317" r:id="rId8"/>
     <p:sldId id="318" r:id="rId9"/>
     <p:sldId id="319" r:id="rId10"/>
-    <p:sldId id="320" r:id="rId11"/>
-    <p:sldId id="321" r:id="rId12"/>
+    <p:sldId id="321" r:id="rId11"/>
+    <p:sldId id="320" r:id="rId12"/>
   </p:sldIdLst>
   <p:sldSz cx="9144000" cy="5143500" type="screen16x9"/>
   <p:notesSz cx="6858000" cy="9144000"/>
@@ -6643,7 +6643,7 @@
           <p:cNvPr id="2" name="Title 1">
             <a:extLst>
               <a:ext uri="{FF2B5EF4-FFF2-40B4-BE49-F238E27FC236}">
-                <a16:creationId xmlns:a16="http://schemas.microsoft.com/office/drawing/2014/main" id="{6163A5AB-7367-3B44-97E4-0F30B2DC0796}"/>
+                <a16:creationId xmlns:a16="http://schemas.microsoft.com/office/drawing/2014/main" id="{0FAA1459-109F-0643-8664-D4A9BF61859D}"/>
               </a:ext>
             </a:extLst>
           </p:cNvPr>
@@ -6661,68 +6661,71 @@
           <a:p>
             <a:r>
               <a:rPr lang="en-US" dirty="0"/>
-              <a:t>Iterative Improvement</a:t>
+              <a:t>Full-Array Programming</a:t>
             </a:r>
           </a:p>
         </p:txBody>
       </p:sp>
-      <p:sp>
-        <p:nvSpPr>
-          <p:cNvPr id="3" name="Content Placeholder 2">
+      <p:pic>
+        <p:nvPicPr>
+          <p:cNvPr id="6" name="Content Placeholder 5">
             <a:extLst>
               <a:ext uri="{FF2B5EF4-FFF2-40B4-BE49-F238E27FC236}">
-                <a16:creationId xmlns:a16="http://schemas.microsoft.com/office/drawing/2014/main" id="{610AE545-DC14-0B43-8BE8-4DC6D873F2AF}"/>
+                <a16:creationId xmlns:a16="http://schemas.microsoft.com/office/drawing/2014/main" id="{425D5FC9-8A95-C14D-9702-A42E5E0E9554}"/>
               </a:ext>
             </a:extLst>
           </p:cNvPr>
-          <p:cNvSpPr>
-            <a:spLocks noGrp="1"/>
-          </p:cNvSpPr>
+          <p:cNvPicPr>
+            <a:picLocks noGrp="1" noChangeAspect="1"/>
+          </p:cNvPicPr>
           <p:nvPr>
             <p:ph sz="quarter" idx="10"/>
           </p:nvPr>
-        </p:nvSpPr>
-        <p:spPr/>
-        <p:txBody>
-          <a:bodyPr/>
-          <a:lstStyle/>
-          <a:p>
-            <a:r>
-              <a:rPr lang="en-US" dirty="0"/>
-              <a:t>Narrowing of resistance distributions</a:t>
-            </a:r>
-          </a:p>
-        </p:txBody>
-      </p:sp>
-      <p:sp>
-        <p:nvSpPr>
-          <p:cNvPr id="4" name="Content Placeholder 3">
+        </p:nvPicPr>
+        <p:blipFill>
+          <a:blip r:embed="rId2"/>
+          <a:srcRect/>
+          <a:stretch/>
+        </p:blipFill>
+        <p:spPr>
+          <a:xfrm>
+            <a:off x="1014412" y="1416050"/>
+            <a:ext cx="3657600" cy="2743200"/>
+          </a:xfrm>
+        </p:spPr>
+      </p:pic>
+      <p:pic>
+        <p:nvPicPr>
+          <p:cNvPr id="12" name="Content Placeholder 11">
             <a:extLst>
               <a:ext uri="{FF2B5EF4-FFF2-40B4-BE49-F238E27FC236}">
-                <a16:creationId xmlns:a16="http://schemas.microsoft.com/office/drawing/2014/main" id="{EE955C07-42A2-6649-9EAA-895BEFEF650D}"/>
+                <a16:creationId xmlns:a16="http://schemas.microsoft.com/office/drawing/2014/main" id="{4958568A-297A-364A-B6C5-68BB4314A8ED}"/>
               </a:ext>
             </a:extLst>
           </p:cNvPr>
-          <p:cNvSpPr>
-            <a:spLocks noGrp="1"/>
-          </p:cNvSpPr>
+          <p:cNvPicPr>
+            <a:picLocks noGrp="1" noChangeAspect="1"/>
+          </p:cNvPicPr>
           <p:nvPr>
             <p:ph sz="quarter" idx="11"/>
           </p:nvPr>
-        </p:nvSpPr>
-        <p:spPr/>
-        <p:txBody>
-          <a:bodyPr/>
-          <a:lstStyle/>
-          <a:p>
-            <a:endParaRPr lang="en-US" dirty="0"/>
-          </a:p>
-        </p:txBody>
-      </p:sp>
+        </p:nvPicPr>
+        <p:blipFill>
+          <a:blip r:embed="rId3"/>
+          <a:srcRect/>
+          <a:stretch/>
+        </p:blipFill>
+        <p:spPr>
+          <a:xfrm>
+            <a:off x="4937919" y="1416050"/>
+            <a:ext cx="3657600" cy="2743200"/>
+          </a:xfrm>
+        </p:spPr>
+      </p:pic>
     </p:spTree>
     <p:extLst>
       <p:ext uri="{BB962C8B-B14F-4D97-AF65-F5344CB8AC3E}">
-        <p14:creationId xmlns:p14="http://schemas.microsoft.com/office/powerpoint/2010/main" val="2874947509"/>
+        <p14:creationId xmlns:p14="http://schemas.microsoft.com/office/powerpoint/2010/main" val="3869544428"/>
       </p:ext>
     </p:extLst>
   </p:cSld>
@@ -6799,7 +6802,7 @@
         <p:spPr/>
         <p:txBody>
           <a:bodyPr>
-            <a:normAutofit lnSpcReduction="10000"/>
+            <a:normAutofit fontScale="92500" lnSpcReduction="10000"/>
           </a:bodyPr>
           <a:lstStyle/>
           <a:p>
@@ -6873,7 +6876,7 @@
             </a:pPr>
             <a:r>
               <a:rPr lang="en-US" dirty="0"/>
-              <a:t>Done with full array programming of one array</a:t>
+              <a:t>Done with full array programming of one array (first iteration)</a:t>
             </a:r>
           </a:p>
           <a:p>
@@ -6891,6 +6894,16 @@
             <a:r>
               <a:rPr lang="en-US" dirty="0"/>
               <a:t>In progress:</a:t>
+            </a:r>
+          </a:p>
+          <a:p>
+            <a:pPr lvl="2">
+              <a:buFont typeface="Arial" panose="020B0604020202020204" pitchFamily="34" charset="0"/>
+              <a:buChar char="•"/>
+            </a:pPr>
+            <a:r>
+              <a:rPr lang="en-US" dirty="0"/>
+              <a:t>Tail distribution reprogramming</a:t>
             </a:r>
           </a:p>
           <a:p>
@@ -8872,7 +8885,7 @@
           <a:p>
             <a:r>
               <a:rPr lang="en-US" dirty="0"/>
-              <a:t>Cell Programming</a:t>
+              <a:t>Full-Array Programming</a:t>
             </a:r>
           </a:p>
         </p:txBody>
@@ -8989,7 +9002,7 @@
           <a:p>
             <a:r>
               <a:rPr lang="en-US" dirty="0"/>
-              <a:t>Cell Programming</a:t>
+              <a:t>Full-Array Programming</a:t>
             </a:r>
           </a:p>
         </p:txBody>
@@ -8999,7 +9012,7 @@
           <p:cNvPr id="6" name="Content Placeholder 5">
             <a:extLst>
               <a:ext uri="{FF2B5EF4-FFF2-40B4-BE49-F238E27FC236}">
-                <a16:creationId xmlns:a16="http://schemas.microsoft.com/office/drawing/2014/main" id="{425D5FC9-8A95-C14D-9702-A42E5E0E9554}"/>
+                <a16:creationId xmlns:a16="http://schemas.microsoft.com/office/drawing/2014/main" id="{9815BE75-8C74-9A45-BA4E-A1C8E5EE7F2B}"/>
               </a:ext>
             </a:extLst>
           </p:cNvPr>
@@ -9012,46 +9025,48 @@
         </p:nvPicPr>
         <p:blipFill>
           <a:blip r:embed="rId2"/>
-          <a:stretch>
-            <a:fillRect/>
-          </a:stretch>
+          <a:srcRect/>
+          <a:stretch/>
         </p:blipFill>
         <p:spPr>
           <a:xfrm>
-            <a:off x="1014412" y="1416050"/>
-            <a:ext cx="3657600" cy="2743200"/>
+            <a:off x="963612" y="908050"/>
+            <a:ext cx="3759200" cy="3759200"/>
           </a:xfrm>
         </p:spPr>
       </p:pic>
-      <p:sp>
-        <p:nvSpPr>
-          <p:cNvPr id="4" name="Content Placeholder 3">
+      <p:pic>
+        <p:nvPicPr>
+          <p:cNvPr id="7" name="Content Placeholder 6">
             <a:extLst>
               <a:ext uri="{FF2B5EF4-FFF2-40B4-BE49-F238E27FC236}">
-                <a16:creationId xmlns:a16="http://schemas.microsoft.com/office/drawing/2014/main" id="{071D438E-3902-9744-B3B1-B89F866B5B00}"/>
+                <a16:creationId xmlns:a16="http://schemas.microsoft.com/office/drawing/2014/main" id="{64A3F8BF-8475-6448-9C7D-32CA13EFBBF3}"/>
               </a:ext>
             </a:extLst>
           </p:cNvPr>
-          <p:cNvSpPr>
-            <a:spLocks noGrp="1"/>
-          </p:cNvSpPr>
+          <p:cNvPicPr>
+            <a:picLocks noGrp="1" noChangeAspect="1"/>
+          </p:cNvPicPr>
           <p:nvPr>
             <p:ph sz="quarter" idx="11"/>
           </p:nvPr>
-        </p:nvSpPr>
-        <p:spPr/>
-        <p:txBody>
-          <a:bodyPr/>
-          <a:lstStyle/>
-          <a:p>
-            <a:endParaRPr lang="en-US" dirty="0"/>
-          </a:p>
-        </p:txBody>
-      </p:sp>
+        </p:nvPicPr>
+        <p:blipFill>
+          <a:blip r:embed="rId3"/>
+          <a:srcRect/>
+          <a:stretch/>
+        </p:blipFill>
+        <p:spPr>
+          <a:xfrm>
+            <a:off x="4887119" y="908050"/>
+            <a:ext cx="3759200" cy="3759200"/>
+          </a:xfrm>
+        </p:spPr>
+      </p:pic>
     </p:spTree>
     <p:extLst>
       <p:ext uri="{BB962C8B-B14F-4D97-AF65-F5344CB8AC3E}">
-        <p14:creationId xmlns:p14="http://schemas.microsoft.com/office/powerpoint/2010/main" val="3869544428"/>
+        <p14:creationId xmlns:p14="http://schemas.microsoft.com/office/powerpoint/2010/main" val="3788257795"/>
       </p:ext>
     </p:extLst>
   </p:cSld>

--- a/presentations/Updates 2-4-21.pptx
+++ b/presentations/Updates 2-4-21.pptx
@@ -6,22 +6,25 @@
     <p:sldMasterId id="2147483699" r:id="rId2"/>
   </p:sldMasterIdLst>
   <p:notesMasterIdLst>
-    <p:notesMasterId r:id="rId13"/>
+    <p:notesMasterId r:id="rId16"/>
   </p:notesMasterIdLst>
   <p:handoutMasterIdLst>
-    <p:handoutMasterId r:id="rId14"/>
+    <p:handoutMasterId r:id="rId17"/>
   </p:handoutMasterIdLst>
   <p:sldIdLst>
     <p:sldId id="304" r:id="rId3"/>
     <p:sldId id="313" r:id="rId4"/>
     <p:sldId id="305" r:id="rId5"/>
-    <p:sldId id="314" r:id="rId6"/>
-    <p:sldId id="315" r:id="rId7"/>
-    <p:sldId id="317" r:id="rId8"/>
-    <p:sldId id="318" r:id="rId9"/>
-    <p:sldId id="319" r:id="rId10"/>
-    <p:sldId id="321" r:id="rId11"/>
-    <p:sldId id="320" r:id="rId12"/>
+    <p:sldId id="315" r:id="rId6"/>
+    <p:sldId id="317" r:id="rId7"/>
+    <p:sldId id="318" r:id="rId8"/>
+    <p:sldId id="319" r:id="rId9"/>
+    <p:sldId id="321" r:id="rId10"/>
+    <p:sldId id="322" r:id="rId11"/>
+    <p:sldId id="325" r:id="rId12"/>
+    <p:sldId id="320" r:id="rId13"/>
+    <p:sldId id="326" r:id="rId14"/>
+    <p:sldId id="327" r:id="rId15"/>
   </p:sldIdLst>
   <p:sldSz cx="9144000" cy="5143500" type="screen16x9"/>
   <p:notesSz cx="6858000" cy="9144000"/>
@@ -6643,7 +6646,7 @@
           <p:cNvPr id="2" name="Title 1">
             <a:extLst>
               <a:ext uri="{FF2B5EF4-FFF2-40B4-BE49-F238E27FC236}">
-                <a16:creationId xmlns:a16="http://schemas.microsoft.com/office/drawing/2014/main" id="{0FAA1459-109F-0643-8664-D4A9BF61859D}"/>
+                <a16:creationId xmlns:a16="http://schemas.microsoft.com/office/drawing/2014/main" id="{A16B217D-E263-7B4E-B16B-F6390728E959}"/>
               </a:ext>
             </a:extLst>
           </p:cNvPr>
@@ -6668,10 +6671,10 @@
       </p:sp>
       <p:pic>
         <p:nvPicPr>
-          <p:cNvPr id="6" name="Content Placeholder 5">
+          <p:cNvPr id="7" name="Content Placeholder 5">
             <a:extLst>
               <a:ext uri="{FF2B5EF4-FFF2-40B4-BE49-F238E27FC236}">
-                <a16:creationId xmlns:a16="http://schemas.microsoft.com/office/drawing/2014/main" id="{425D5FC9-8A95-C14D-9702-A42E5E0E9554}"/>
+                <a16:creationId xmlns:a16="http://schemas.microsoft.com/office/drawing/2014/main" id="{C91B998F-F15C-9446-B28F-AF5CC432DFD5}"/>
               </a:ext>
             </a:extLst>
           </p:cNvPr>
@@ -6689,17 +6692,17 @@
         </p:blipFill>
         <p:spPr>
           <a:xfrm>
-            <a:off x="1014412" y="1416050"/>
-            <a:ext cx="3657600" cy="2743200"/>
+            <a:off x="963612" y="908050"/>
+            <a:ext cx="3759200" cy="3759200"/>
           </a:xfrm>
         </p:spPr>
       </p:pic>
       <p:pic>
         <p:nvPicPr>
-          <p:cNvPr id="12" name="Content Placeholder 11">
+          <p:cNvPr id="8" name="Content Placeholder 7">
             <a:extLst>
               <a:ext uri="{FF2B5EF4-FFF2-40B4-BE49-F238E27FC236}">
-                <a16:creationId xmlns:a16="http://schemas.microsoft.com/office/drawing/2014/main" id="{4958568A-297A-364A-B6C5-68BB4314A8ED}"/>
+                <a16:creationId xmlns:a16="http://schemas.microsoft.com/office/drawing/2014/main" id="{62ACF060-3530-1A48-8915-D6C38AAD8102}"/>
               </a:ext>
             </a:extLst>
           </p:cNvPr>
@@ -6712,13 +6715,187 @@
         </p:nvPicPr>
         <p:blipFill>
           <a:blip r:embed="rId3"/>
+          <a:stretch>
+            <a:fillRect/>
+          </a:stretch>
+        </p:blipFill>
+        <p:spPr>
+          <a:xfrm>
+            <a:off x="4887119" y="908050"/>
+            <a:ext cx="3759200" cy="3759200"/>
+          </a:xfrm>
+        </p:spPr>
+      </p:pic>
+    </p:spTree>
+    <p:extLst>
+      <p:ext uri="{BB962C8B-B14F-4D97-AF65-F5344CB8AC3E}">
+        <p14:creationId xmlns:p14="http://schemas.microsoft.com/office/powerpoint/2010/main" val="1371707058"/>
+      </p:ext>
+    </p:extLst>
+  </p:cSld>
+  <p:clrMapOvr>
+    <a:masterClrMapping/>
+  </p:clrMapOvr>
+  <p:transition spd="slow">
+    <p:fade/>
+  </p:transition>
+</p:sld>
+</file>
+
+<file path=ppt/slides/slide11.xml><?xml version="1.0" encoding="utf-8"?>
+<p:sld xmlns:a="http://schemas.openxmlformats.org/drawingml/2006/main" xmlns:r="http://schemas.openxmlformats.org/officeDocument/2006/relationships" xmlns:p="http://schemas.openxmlformats.org/presentationml/2006/main">
+  <p:cSld>
+    <p:spTree>
+      <p:nvGrpSpPr>
+        <p:cNvPr id="1" name=""/>
+        <p:cNvGrpSpPr/>
+        <p:nvPr/>
+      </p:nvGrpSpPr>
+      <p:grpSpPr>
+        <a:xfrm>
+          <a:off x="0" y="0"/>
+          <a:ext cx="0" cy="0"/>
+          <a:chOff x="0" y="0"/>
+          <a:chExt cx="0" cy="0"/>
+        </a:xfrm>
+      </p:grpSpPr>
+      <p:sp>
+        <p:nvSpPr>
+          <p:cNvPr id="2" name="Title 1">
+            <a:extLst>
+              <a:ext uri="{FF2B5EF4-FFF2-40B4-BE49-F238E27FC236}">
+                <a16:creationId xmlns:a16="http://schemas.microsoft.com/office/drawing/2014/main" id="{0FAA1459-109F-0643-8664-D4A9BF61859D}"/>
+              </a:ext>
+            </a:extLst>
+          </p:cNvPr>
+          <p:cNvSpPr>
+            <a:spLocks noGrp="1"/>
+          </p:cNvSpPr>
+          <p:nvPr>
+            <p:ph type="title"/>
+          </p:nvPr>
+        </p:nvSpPr>
+        <p:spPr/>
+        <p:txBody>
+          <a:bodyPr/>
+          <a:lstStyle/>
+          <a:p>
+            <a:r>
+              <a:rPr lang="en-US" dirty="0"/>
+              <a:t>Full-Array Programming</a:t>
+            </a:r>
+          </a:p>
+        </p:txBody>
+      </p:sp>
+      <p:pic>
+        <p:nvPicPr>
+          <p:cNvPr id="33" name="Content Placeholder 32">
+            <a:extLst>
+              <a:ext uri="{FF2B5EF4-FFF2-40B4-BE49-F238E27FC236}">
+                <a16:creationId xmlns:a16="http://schemas.microsoft.com/office/drawing/2014/main" id="{8CEF2322-B4E5-9D4F-88D5-7C3FA6C1C108}"/>
+              </a:ext>
+            </a:extLst>
+          </p:cNvPr>
+          <p:cNvPicPr>
+            <a:picLocks noGrp="1" noChangeAspect="1"/>
+          </p:cNvPicPr>
+          <p:nvPr>
+            <p:ph sz="quarter" idx="13"/>
+          </p:nvPr>
+        </p:nvPicPr>
+        <p:blipFill>
+          <a:blip r:embed="rId2"/>
           <a:srcRect/>
           <a:stretch/>
         </p:blipFill>
         <p:spPr>
           <a:xfrm>
-            <a:off x="4937919" y="1416050"/>
-            <a:ext cx="3657600" cy="2743200"/>
+            <a:off x="5548578" y="2840038"/>
+            <a:ext cx="2436282" cy="1827211"/>
+          </a:xfrm>
+        </p:spPr>
+      </p:pic>
+      <p:pic>
+        <p:nvPicPr>
+          <p:cNvPr id="31" name="Content Placeholder 30">
+            <a:extLst>
+              <a:ext uri="{FF2B5EF4-FFF2-40B4-BE49-F238E27FC236}">
+                <a16:creationId xmlns:a16="http://schemas.microsoft.com/office/drawing/2014/main" id="{7329A21E-38E8-7548-8FA0-2E35D7A1AC62}"/>
+              </a:ext>
+            </a:extLst>
+          </p:cNvPr>
+          <p:cNvPicPr>
+            <a:picLocks noGrp="1" noChangeAspect="1"/>
+          </p:cNvPicPr>
+          <p:nvPr>
+            <p:ph sz="quarter" idx="12"/>
+          </p:nvPr>
+        </p:nvPicPr>
+        <p:blipFill>
+          <a:blip r:embed="rId3"/>
+          <a:srcRect/>
+          <a:stretch/>
+        </p:blipFill>
+        <p:spPr>
+          <a:xfrm>
+            <a:off x="5550694" y="908050"/>
+            <a:ext cx="2432050" cy="1824037"/>
+          </a:xfrm>
+        </p:spPr>
+      </p:pic>
+      <p:pic>
+        <p:nvPicPr>
+          <p:cNvPr id="29" name="Content Placeholder 28">
+            <a:extLst>
+              <a:ext uri="{FF2B5EF4-FFF2-40B4-BE49-F238E27FC236}">
+                <a16:creationId xmlns:a16="http://schemas.microsoft.com/office/drawing/2014/main" id="{DF408F47-B0BD-9142-8606-0C801B93BCFC}"/>
+              </a:ext>
+            </a:extLst>
+          </p:cNvPr>
+          <p:cNvPicPr>
+            <a:picLocks noGrp="1" noChangeAspect="1"/>
+          </p:cNvPicPr>
+          <p:nvPr>
+            <p:ph sz="quarter" idx="11"/>
+          </p:nvPr>
+        </p:nvPicPr>
+        <p:blipFill>
+          <a:blip r:embed="rId4"/>
+          <a:srcRect/>
+          <a:stretch/>
+        </p:blipFill>
+        <p:spPr>
+          <a:xfrm>
+            <a:off x="1628246" y="2840038"/>
+            <a:ext cx="2436282" cy="1827211"/>
+          </a:xfrm>
+        </p:spPr>
+      </p:pic>
+      <p:pic>
+        <p:nvPicPr>
+          <p:cNvPr id="27" name="Content Placeholder 26">
+            <a:extLst>
+              <a:ext uri="{FF2B5EF4-FFF2-40B4-BE49-F238E27FC236}">
+                <a16:creationId xmlns:a16="http://schemas.microsoft.com/office/drawing/2014/main" id="{87184846-4336-BE4D-89CA-08D99D882E8B}"/>
+              </a:ext>
+            </a:extLst>
+          </p:cNvPr>
+          <p:cNvPicPr>
+            <a:picLocks noGrp="1" noChangeAspect="1"/>
+          </p:cNvPicPr>
+          <p:nvPr>
+            <p:ph sz="quarter" idx="10"/>
+          </p:nvPr>
+        </p:nvPicPr>
+        <p:blipFill>
+          <a:blip r:embed="rId5"/>
+          <a:srcRect/>
+          <a:stretch/>
+        </p:blipFill>
+        <p:spPr>
+          <a:xfrm>
+            <a:off x="1627187" y="908050"/>
+            <a:ext cx="2432050" cy="1824037"/>
           </a:xfrm>
         </p:spPr>
       </p:pic>
@@ -6726,6 +6903,352 @@
     <p:extLst>
       <p:ext uri="{BB962C8B-B14F-4D97-AF65-F5344CB8AC3E}">
         <p14:creationId xmlns:p14="http://schemas.microsoft.com/office/powerpoint/2010/main" val="3869544428"/>
+      </p:ext>
+    </p:extLst>
+  </p:cSld>
+  <p:clrMapOvr>
+    <a:masterClrMapping/>
+  </p:clrMapOvr>
+  <p:transition spd="slow">
+    <p:fade/>
+  </p:transition>
+</p:sld>
+</file>
+
+<file path=ppt/slides/slide12.xml><?xml version="1.0" encoding="utf-8"?>
+<p:sld xmlns:a="http://schemas.openxmlformats.org/drawingml/2006/main" xmlns:r="http://schemas.openxmlformats.org/officeDocument/2006/relationships" xmlns:p="http://schemas.openxmlformats.org/presentationml/2006/main">
+  <p:cSld>
+    <p:spTree>
+      <p:nvGrpSpPr>
+        <p:cNvPr id="1" name=""/>
+        <p:cNvGrpSpPr/>
+        <p:nvPr/>
+      </p:nvGrpSpPr>
+      <p:grpSpPr>
+        <a:xfrm>
+          <a:off x="0" y="0"/>
+          <a:ext cx="0" cy="0"/>
+          <a:chOff x="0" y="0"/>
+          <a:chExt cx="0" cy="0"/>
+        </a:xfrm>
+      </p:grpSpPr>
+      <p:sp>
+        <p:nvSpPr>
+          <p:cNvPr id="2" name="Title 1">
+            <a:extLst>
+              <a:ext uri="{FF2B5EF4-FFF2-40B4-BE49-F238E27FC236}">
+                <a16:creationId xmlns:a16="http://schemas.microsoft.com/office/drawing/2014/main" id="{0FAA1459-109F-0643-8664-D4A9BF61859D}"/>
+              </a:ext>
+            </a:extLst>
+          </p:cNvPr>
+          <p:cNvSpPr>
+            <a:spLocks noGrp="1"/>
+          </p:cNvSpPr>
+          <p:nvPr>
+            <p:ph type="title"/>
+          </p:nvPr>
+        </p:nvSpPr>
+        <p:spPr/>
+        <p:txBody>
+          <a:bodyPr/>
+          <a:lstStyle/>
+          <a:p>
+            <a:r>
+              <a:rPr lang="en-US" dirty="0"/>
+              <a:t>Full-Array Programming</a:t>
+            </a:r>
+          </a:p>
+        </p:txBody>
+      </p:sp>
+      <p:pic>
+        <p:nvPicPr>
+          <p:cNvPr id="12" name="Content Placeholder 11">
+            <a:extLst>
+              <a:ext uri="{FF2B5EF4-FFF2-40B4-BE49-F238E27FC236}">
+                <a16:creationId xmlns:a16="http://schemas.microsoft.com/office/drawing/2014/main" id="{4C198C4C-18CE-5A42-944C-CE37DB4D837D}"/>
+              </a:ext>
+            </a:extLst>
+          </p:cNvPr>
+          <p:cNvPicPr>
+            <a:picLocks noGrp="1" noChangeAspect="1"/>
+          </p:cNvPicPr>
+          <p:nvPr>
+            <p:ph sz="quarter" idx="10"/>
+          </p:nvPr>
+        </p:nvPicPr>
+        <p:blipFill>
+          <a:blip r:embed="rId2"/>
+          <a:srcRect/>
+          <a:stretch/>
+        </p:blipFill>
+        <p:spPr>
+          <a:xfrm>
+            <a:off x="1627187" y="908050"/>
+            <a:ext cx="2432050" cy="1824037"/>
+          </a:xfrm>
+        </p:spPr>
+      </p:pic>
+      <p:pic>
+        <p:nvPicPr>
+          <p:cNvPr id="16" name="Content Placeholder 15">
+            <a:extLst>
+              <a:ext uri="{FF2B5EF4-FFF2-40B4-BE49-F238E27FC236}">
+                <a16:creationId xmlns:a16="http://schemas.microsoft.com/office/drawing/2014/main" id="{C814CBDD-196C-CF40-82D3-E4038655F141}"/>
+              </a:ext>
+            </a:extLst>
+          </p:cNvPr>
+          <p:cNvPicPr>
+            <a:picLocks noGrp="1" noChangeAspect="1"/>
+          </p:cNvPicPr>
+          <p:nvPr>
+            <p:ph sz="quarter" idx="12"/>
+          </p:nvPr>
+        </p:nvPicPr>
+        <p:blipFill>
+          <a:blip r:embed="rId3"/>
+          <a:srcRect/>
+          <a:stretch/>
+        </p:blipFill>
+        <p:spPr>
+          <a:xfrm>
+            <a:off x="5550694" y="908050"/>
+            <a:ext cx="2432050" cy="1824037"/>
+          </a:xfrm>
+        </p:spPr>
+      </p:pic>
+      <p:pic>
+        <p:nvPicPr>
+          <p:cNvPr id="14" name="Content Placeholder 13">
+            <a:extLst>
+              <a:ext uri="{FF2B5EF4-FFF2-40B4-BE49-F238E27FC236}">
+                <a16:creationId xmlns:a16="http://schemas.microsoft.com/office/drawing/2014/main" id="{393E40EC-C323-8742-82AD-F567376FF4F2}"/>
+              </a:ext>
+            </a:extLst>
+          </p:cNvPr>
+          <p:cNvPicPr>
+            <a:picLocks noGrp="1" noChangeAspect="1"/>
+          </p:cNvPicPr>
+          <p:nvPr>
+            <p:ph sz="quarter" idx="11"/>
+          </p:nvPr>
+        </p:nvPicPr>
+        <p:blipFill>
+          <a:blip r:embed="rId4"/>
+          <a:srcRect/>
+          <a:stretch/>
+        </p:blipFill>
+        <p:spPr>
+          <a:xfrm>
+            <a:off x="1628246" y="2840038"/>
+            <a:ext cx="2436282" cy="1827211"/>
+          </a:xfrm>
+        </p:spPr>
+      </p:pic>
+      <p:pic>
+        <p:nvPicPr>
+          <p:cNvPr id="18" name="Content Placeholder 17">
+            <a:extLst>
+              <a:ext uri="{FF2B5EF4-FFF2-40B4-BE49-F238E27FC236}">
+                <a16:creationId xmlns:a16="http://schemas.microsoft.com/office/drawing/2014/main" id="{6A1A111B-6A69-A547-9511-8444641F4B5B}"/>
+              </a:ext>
+            </a:extLst>
+          </p:cNvPr>
+          <p:cNvPicPr>
+            <a:picLocks noGrp="1" noChangeAspect="1"/>
+          </p:cNvPicPr>
+          <p:nvPr>
+            <p:ph sz="quarter" idx="13"/>
+          </p:nvPr>
+        </p:nvPicPr>
+        <p:blipFill>
+          <a:blip r:embed="rId5"/>
+          <a:srcRect/>
+          <a:stretch/>
+        </p:blipFill>
+        <p:spPr>
+          <a:xfrm>
+            <a:off x="5548578" y="2840038"/>
+            <a:ext cx="2436282" cy="1827211"/>
+          </a:xfrm>
+        </p:spPr>
+      </p:pic>
+    </p:spTree>
+    <p:extLst>
+      <p:ext uri="{BB962C8B-B14F-4D97-AF65-F5344CB8AC3E}">
+        <p14:creationId xmlns:p14="http://schemas.microsoft.com/office/powerpoint/2010/main" val="1053573937"/>
+      </p:ext>
+    </p:extLst>
+  </p:cSld>
+  <p:clrMapOvr>
+    <a:masterClrMapping/>
+  </p:clrMapOvr>
+  <p:transition spd="slow">
+    <p:fade/>
+  </p:transition>
+</p:sld>
+</file>
+
+<file path=ppt/slides/slide13.xml><?xml version="1.0" encoding="utf-8"?>
+<p:sld xmlns:a="http://schemas.openxmlformats.org/drawingml/2006/main" xmlns:r="http://schemas.openxmlformats.org/officeDocument/2006/relationships" xmlns:p="http://schemas.openxmlformats.org/presentationml/2006/main">
+  <p:cSld>
+    <p:spTree>
+      <p:nvGrpSpPr>
+        <p:cNvPr id="1" name=""/>
+        <p:cNvGrpSpPr/>
+        <p:nvPr/>
+      </p:nvGrpSpPr>
+      <p:grpSpPr>
+        <a:xfrm>
+          <a:off x="0" y="0"/>
+          <a:ext cx="0" cy="0"/>
+          <a:chOff x="0" y="0"/>
+          <a:chExt cx="0" cy="0"/>
+        </a:xfrm>
+      </p:grpSpPr>
+      <p:sp>
+        <p:nvSpPr>
+          <p:cNvPr id="2" name="Title 1">
+            <a:extLst>
+              <a:ext uri="{FF2B5EF4-FFF2-40B4-BE49-F238E27FC236}">
+                <a16:creationId xmlns:a16="http://schemas.microsoft.com/office/drawing/2014/main" id="{0FAA1459-109F-0643-8664-D4A9BF61859D}"/>
+              </a:ext>
+            </a:extLst>
+          </p:cNvPr>
+          <p:cNvSpPr>
+            <a:spLocks noGrp="1"/>
+          </p:cNvSpPr>
+          <p:nvPr>
+            <p:ph type="title"/>
+          </p:nvPr>
+        </p:nvSpPr>
+        <p:spPr/>
+        <p:txBody>
+          <a:bodyPr/>
+          <a:lstStyle/>
+          <a:p>
+            <a:r>
+              <a:rPr lang="en-US" dirty="0"/>
+              <a:t>Full-Array Programming</a:t>
+            </a:r>
+          </a:p>
+        </p:txBody>
+      </p:sp>
+      <p:pic>
+        <p:nvPicPr>
+          <p:cNvPr id="13" name="Content Placeholder 12">
+            <a:extLst>
+              <a:ext uri="{FF2B5EF4-FFF2-40B4-BE49-F238E27FC236}">
+                <a16:creationId xmlns:a16="http://schemas.microsoft.com/office/drawing/2014/main" id="{400B8632-624F-D84E-B337-1EBC0AF2DA7B}"/>
+              </a:ext>
+            </a:extLst>
+          </p:cNvPr>
+          <p:cNvPicPr>
+            <a:picLocks noGrp="1" noChangeAspect="1"/>
+          </p:cNvPicPr>
+          <p:nvPr>
+            <p:ph sz="quarter" idx="10"/>
+          </p:nvPr>
+        </p:nvPicPr>
+        <p:blipFill>
+          <a:blip r:embed="rId2"/>
+          <a:srcRect/>
+          <a:stretch/>
+        </p:blipFill>
+        <p:spPr>
+          <a:xfrm>
+            <a:off x="1627187" y="908050"/>
+            <a:ext cx="2432050" cy="1824037"/>
+          </a:xfrm>
+        </p:spPr>
+      </p:pic>
+      <p:pic>
+        <p:nvPicPr>
+          <p:cNvPr id="20" name="Content Placeholder 19">
+            <a:extLst>
+              <a:ext uri="{FF2B5EF4-FFF2-40B4-BE49-F238E27FC236}">
+                <a16:creationId xmlns:a16="http://schemas.microsoft.com/office/drawing/2014/main" id="{12963992-4E39-0B47-8B3E-E4601C59EB99}"/>
+              </a:ext>
+            </a:extLst>
+          </p:cNvPr>
+          <p:cNvPicPr>
+            <a:picLocks noGrp="1" noChangeAspect="1"/>
+          </p:cNvPicPr>
+          <p:nvPr>
+            <p:ph sz="quarter" idx="12"/>
+          </p:nvPr>
+        </p:nvPicPr>
+        <p:blipFill>
+          <a:blip r:embed="rId3"/>
+          <a:srcRect/>
+          <a:stretch/>
+        </p:blipFill>
+        <p:spPr>
+          <a:xfrm>
+            <a:off x="5550694" y="908050"/>
+            <a:ext cx="2432050" cy="1824037"/>
+          </a:xfrm>
+        </p:spPr>
+      </p:pic>
+      <p:pic>
+        <p:nvPicPr>
+          <p:cNvPr id="22" name="Content Placeholder 21">
+            <a:extLst>
+              <a:ext uri="{FF2B5EF4-FFF2-40B4-BE49-F238E27FC236}">
+                <a16:creationId xmlns:a16="http://schemas.microsoft.com/office/drawing/2014/main" id="{4D63A210-2EF8-BA40-BDE3-F584E2555046}"/>
+              </a:ext>
+            </a:extLst>
+          </p:cNvPr>
+          <p:cNvPicPr>
+            <a:picLocks noGrp="1" noChangeAspect="1"/>
+          </p:cNvPicPr>
+          <p:nvPr>
+            <p:ph sz="quarter" idx="13"/>
+          </p:nvPr>
+        </p:nvPicPr>
+        <p:blipFill>
+          <a:blip r:embed="rId4"/>
+          <a:srcRect/>
+          <a:stretch/>
+        </p:blipFill>
+        <p:spPr>
+          <a:xfrm>
+            <a:off x="5548578" y="2840038"/>
+            <a:ext cx="2436282" cy="1827211"/>
+          </a:xfrm>
+        </p:spPr>
+      </p:pic>
+      <p:pic>
+        <p:nvPicPr>
+          <p:cNvPr id="17" name="Content Placeholder 16">
+            <a:extLst>
+              <a:ext uri="{FF2B5EF4-FFF2-40B4-BE49-F238E27FC236}">
+                <a16:creationId xmlns:a16="http://schemas.microsoft.com/office/drawing/2014/main" id="{D58D1A48-FC7C-7242-99B5-6B6FACED7D97}"/>
+              </a:ext>
+            </a:extLst>
+          </p:cNvPr>
+          <p:cNvPicPr>
+            <a:picLocks noGrp="1" noChangeAspect="1"/>
+          </p:cNvPicPr>
+          <p:nvPr>
+            <p:ph sz="quarter" idx="11"/>
+          </p:nvPr>
+        </p:nvPicPr>
+        <p:blipFill>
+          <a:blip r:embed="rId5"/>
+          <a:srcRect/>
+          <a:stretch/>
+        </p:blipFill>
+        <p:spPr>
+          <a:xfrm>
+            <a:off x="1628246" y="2840038"/>
+            <a:ext cx="2436282" cy="1827211"/>
+          </a:xfrm>
+        </p:spPr>
+      </p:pic>
+    </p:spTree>
+    <p:extLst>
+      <p:ext uri="{BB962C8B-B14F-4D97-AF65-F5344CB8AC3E}">
+        <p14:creationId xmlns:p14="http://schemas.microsoft.com/office/powerpoint/2010/main" val="3094245943"/>
       </p:ext>
     </p:extLst>
   </p:cSld>
@@ -8228,119 +8751,6 @@
 </file>
 
 <file path=ppt/slides/slide4.xml><?xml version="1.0" encoding="utf-8"?>
-<p:sld xmlns:a="http://schemas.openxmlformats.org/drawingml/2006/main" xmlns:r="http://schemas.openxmlformats.org/officeDocument/2006/relationships" xmlns:p="http://schemas.openxmlformats.org/presentationml/2006/main" show="0">
-  <p:cSld>
-    <p:spTree>
-      <p:nvGrpSpPr>
-        <p:cNvPr id="1" name=""/>
-        <p:cNvGrpSpPr/>
-        <p:nvPr/>
-      </p:nvGrpSpPr>
-      <p:grpSpPr>
-        <a:xfrm>
-          <a:off x="0" y="0"/>
-          <a:ext cx="0" cy="0"/>
-          <a:chOff x="0" y="0"/>
-          <a:chExt cx="0" cy="0"/>
-        </a:xfrm>
-      </p:grpSpPr>
-      <p:sp>
-        <p:nvSpPr>
-          <p:cNvPr id="2" name="Title 1">
-            <a:extLst>
-              <a:ext uri="{FF2B5EF4-FFF2-40B4-BE49-F238E27FC236}">
-                <a16:creationId xmlns:a16="http://schemas.microsoft.com/office/drawing/2014/main" id="{3E7B4283-3480-3447-88B4-698FF4E10F5B}"/>
-              </a:ext>
-            </a:extLst>
-          </p:cNvPr>
-          <p:cNvSpPr>
-            <a:spLocks noGrp="1"/>
-          </p:cNvSpPr>
-          <p:nvPr>
-            <p:ph type="title"/>
-          </p:nvPr>
-        </p:nvSpPr>
-        <p:spPr/>
-        <p:txBody>
-          <a:bodyPr/>
-          <a:lstStyle/>
-          <a:p>
-            <a:r>
-              <a:rPr lang="en-US" dirty="0"/>
-              <a:t>Notes on READ</a:t>
-            </a:r>
-          </a:p>
-        </p:txBody>
-      </p:sp>
-      <p:sp>
-        <p:nvSpPr>
-          <p:cNvPr id="3" name="Content Placeholder 2">
-            <a:extLst>
-              <a:ext uri="{FF2B5EF4-FFF2-40B4-BE49-F238E27FC236}">
-                <a16:creationId xmlns:a16="http://schemas.microsoft.com/office/drawing/2014/main" id="{D9B9E9D2-F202-594D-9D24-26721746BBF4}"/>
-              </a:ext>
-            </a:extLst>
-          </p:cNvPr>
-          <p:cNvSpPr>
-            <a:spLocks noGrp="1"/>
-          </p:cNvSpPr>
-          <p:nvPr>
-            <p:ph sz="quarter" idx="10"/>
-          </p:nvPr>
-        </p:nvSpPr>
-        <p:spPr/>
-        <p:txBody>
-          <a:bodyPr/>
-          <a:lstStyle/>
-          <a:p>
-            <a:r>
-              <a:rPr lang="en-US" dirty="0"/>
-              <a:t>Using 560Ω shunt resistor and reading voltage across it</a:t>
-            </a:r>
-          </a:p>
-          <a:p>
-            <a:r>
-              <a:rPr lang="en-US" dirty="0"/>
-              <a:t>Collecting 100 samples</a:t>
-            </a:r>
-          </a:p>
-          <a:p>
-            <a:r>
-              <a:rPr lang="en-US" dirty="0"/>
-              <a:t>2ms for BL voltage to ramp up to 200mV, then read current at 1MHz</a:t>
-            </a:r>
-          </a:p>
-          <a:p>
-            <a:r>
-              <a:rPr lang="en-US" dirty="0"/>
-              <a:t>Includes the transistor voltage drop</a:t>
-            </a:r>
-          </a:p>
-          <a:p>
-            <a:endParaRPr lang="en-US" dirty="0"/>
-          </a:p>
-          <a:p>
-            <a:endParaRPr lang="en-US" dirty="0"/>
-          </a:p>
-        </p:txBody>
-      </p:sp>
-    </p:spTree>
-    <p:extLst>
-      <p:ext uri="{BB962C8B-B14F-4D97-AF65-F5344CB8AC3E}">
-        <p14:creationId xmlns:p14="http://schemas.microsoft.com/office/powerpoint/2010/main" val="1064209590"/>
-      </p:ext>
-    </p:extLst>
-  </p:cSld>
-  <p:clrMapOvr>
-    <a:masterClrMapping/>
-  </p:clrMapOvr>
-  <p:transition spd="slow">
-    <p:fade/>
-  </p:transition>
-</p:sld>
-</file>
-
-<file path=ppt/slides/slide5.xml><?xml version="1.0" encoding="utf-8"?>
 <p:sld xmlns:a="http://schemas.openxmlformats.org/drawingml/2006/main" xmlns:r="http://schemas.openxmlformats.org/officeDocument/2006/relationships" xmlns:p="http://schemas.openxmlformats.org/presentationml/2006/main">
   <p:cSld>
     <p:spTree>
@@ -8559,6 +8969,161 @@
     <p:extLst>
       <p:ext uri="{BB962C8B-B14F-4D97-AF65-F5344CB8AC3E}">
         <p14:creationId xmlns:p14="http://schemas.microsoft.com/office/powerpoint/2010/main" val="4038830252"/>
+      </p:ext>
+    </p:extLst>
+  </p:cSld>
+  <p:clrMapOvr>
+    <a:masterClrMapping/>
+  </p:clrMapOvr>
+  <p:transition spd="slow">
+    <p:fade/>
+  </p:transition>
+</p:sld>
+</file>
+
+<file path=ppt/slides/slide5.xml><?xml version="1.0" encoding="utf-8"?>
+<p:sld xmlns:a="http://schemas.openxmlformats.org/drawingml/2006/main" xmlns:r="http://schemas.openxmlformats.org/officeDocument/2006/relationships" xmlns:p="http://schemas.openxmlformats.org/presentationml/2006/main">
+  <p:cSld>
+    <p:spTree>
+      <p:nvGrpSpPr>
+        <p:cNvPr id="1" name=""/>
+        <p:cNvGrpSpPr/>
+        <p:nvPr/>
+      </p:nvGrpSpPr>
+      <p:grpSpPr>
+        <a:xfrm>
+          <a:off x="0" y="0"/>
+          <a:ext cx="0" cy="0"/>
+          <a:chOff x="0" y="0"/>
+          <a:chExt cx="0" cy="0"/>
+        </a:xfrm>
+      </p:grpSpPr>
+      <p:sp>
+        <p:nvSpPr>
+          <p:cNvPr id="2" name="Title 1">
+            <a:extLst>
+              <a:ext uri="{FF2B5EF4-FFF2-40B4-BE49-F238E27FC236}">
+                <a16:creationId xmlns:a16="http://schemas.microsoft.com/office/drawing/2014/main" id="{303047CF-6E81-B24A-95DC-1EF0CA58A71E}"/>
+              </a:ext>
+            </a:extLst>
+          </p:cNvPr>
+          <p:cNvSpPr>
+            <a:spLocks noGrp="1"/>
+          </p:cNvSpPr>
+          <p:nvPr>
+            <p:ph type="title"/>
+          </p:nvPr>
+        </p:nvSpPr>
+        <p:spPr/>
+        <p:txBody>
+          <a:bodyPr/>
+          <a:lstStyle/>
+          <a:p>
+            <a:r>
+              <a:rPr lang="en-US" dirty="0"/>
+              <a:t>Full-Array FORMing Statistics</a:t>
+            </a:r>
+          </a:p>
+        </p:txBody>
+      </p:sp>
+      <p:pic>
+        <p:nvPicPr>
+          <p:cNvPr id="7" name="Content Placeholder 6">
+            <a:extLst>
+              <a:ext uri="{FF2B5EF4-FFF2-40B4-BE49-F238E27FC236}">
+                <a16:creationId xmlns:a16="http://schemas.microsoft.com/office/drawing/2014/main" id="{594BFB45-7D9F-D64B-92BA-F5FDB0ED282A}"/>
+              </a:ext>
+            </a:extLst>
+          </p:cNvPr>
+          <p:cNvPicPr>
+            <a:picLocks noGrp="1" noChangeAspect="1"/>
+          </p:cNvPicPr>
+          <p:nvPr>
+            <p:ph sz="quarter" idx="10"/>
+          </p:nvPr>
+        </p:nvPicPr>
+        <p:blipFill>
+          <a:blip r:embed="rId2"/>
+          <a:stretch>
+            <a:fillRect/>
+          </a:stretch>
+        </p:blipFill>
+        <p:spPr>
+          <a:xfrm>
+            <a:off x="963612" y="908050"/>
+            <a:ext cx="3759200" cy="3759200"/>
+          </a:xfrm>
+        </p:spPr>
+      </p:pic>
+      <p:pic>
+        <p:nvPicPr>
+          <p:cNvPr id="9" name="Content Placeholder 8">
+            <a:extLst>
+              <a:ext uri="{FF2B5EF4-FFF2-40B4-BE49-F238E27FC236}">
+                <a16:creationId xmlns:a16="http://schemas.microsoft.com/office/drawing/2014/main" id="{087DA8BB-2CDF-0D43-81DF-F6FB88C839AF}"/>
+              </a:ext>
+            </a:extLst>
+          </p:cNvPr>
+          <p:cNvPicPr>
+            <a:picLocks noGrp="1" noChangeAspect="1"/>
+          </p:cNvPicPr>
+          <p:nvPr>
+            <p:ph sz="quarter" idx="11"/>
+          </p:nvPr>
+        </p:nvPicPr>
+        <p:blipFill>
+          <a:blip r:embed="rId3"/>
+          <a:stretch>
+            <a:fillRect/>
+          </a:stretch>
+        </p:blipFill>
+        <p:spPr>
+          <a:xfrm>
+            <a:off x="4887119" y="908050"/>
+            <a:ext cx="3759200" cy="3759200"/>
+          </a:xfrm>
+        </p:spPr>
+      </p:pic>
+      <p:sp>
+        <p:nvSpPr>
+          <p:cNvPr id="10" name="TextBox 9">
+            <a:extLst>
+              <a:ext uri="{FF2B5EF4-FFF2-40B4-BE49-F238E27FC236}">
+                <a16:creationId xmlns:a16="http://schemas.microsoft.com/office/drawing/2014/main" id="{C3007D35-F83D-8042-B255-A4E914E389A1}"/>
+              </a:ext>
+            </a:extLst>
+          </p:cNvPr>
+          <p:cNvSpPr txBox="1"/>
+          <p:nvPr/>
+        </p:nvSpPr>
+        <p:spPr>
+          <a:xfrm>
+            <a:off x="2888815" y="4522349"/>
+            <a:ext cx="3996607" cy="261610"/>
+          </a:xfrm>
+          <a:prstGeom prst="rect">
+            <a:avLst/>
+          </a:prstGeom>
+          <a:noFill/>
+        </p:spPr>
+        <p:txBody>
+          <a:bodyPr wrap="none" rtlCol="0">
+            <a:spAutoFit/>
+          </a:bodyPr>
+          <a:lstStyle/>
+          <a:p>
+            <a:pPr algn="ctr"/>
+            <a:r>
+              <a:rPr lang="en-US" sz="1100" dirty="0"/>
+              <a:t>Certain BLs seem to have higher VWL and hence lower resistance</a:t>
+            </a:r>
+          </a:p>
+        </p:txBody>
+      </p:sp>
+    </p:spTree>
+    <p:extLst>
+      <p:ext uri="{BB962C8B-B14F-4D97-AF65-F5344CB8AC3E}">
+        <p14:creationId xmlns:p14="http://schemas.microsoft.com/office/powerpoint/2010/main" val="1448853471"/>
       </p:ext>
     </p:extLst>
   </p:cSld>
@@ -8618,10 +9183,10 @@
       </p:sp>
       <p:pic>
         <p:nvPicPr>
-          <p:cNvPr id="7" name="Content Placeholder 6">
+          <p:cNvPr id="10" name="Content Placeholder 9">
             <a:extLst>
               <a:ext uri="{FF2B5EF4-FFF2-40B4-BE49-F238E27FC236}">
-                <a16:creationId xmlns:a16="http://schemas.microsoft.com/office/drawing/2014/main" id="{594BFB45-7D9F-D64B-92BA-F5FDB0ED282A}"/>
+                <a16:creationId xmlns:a16="http://schemas.microsoft.com/office/drawing/2014/main" id="{16F0613F-C886-6E4C-A15E-EBCC09320321}"/>
               </a:ext>
             </a:extLst>
           </p:cNvPr>
@@ -8640,17 +9205,17 @@
         </p:blipFill>
         <p:spPr>
           <a:xfrm>
-            <a:off x="963612" y="908050"/>
-            <a:ext cx="3759200" cy="3759200"/>
+            <a:off x="949325" y="1366207"/>
+            <a:ext cx="3787775" cy="2842885"/>
           </a:xfrm>
         </p:spPr>
       </p:pic>
       <p:pic>
         <p:nvPicPr>
-          <p:cNvPr id="9" name="Content Placeholder 8">
+          <p:cNvPr id="12" name="Content Placeholder 11">
             <a:extLst>
               <a:ext uri="{FF2B5EF4-FFF2-40B4-BE49-F238E27FC236}">
-                <a16:creationId xmlns:a16="http://schemas.microsoft.com/office/drawing/2014/main" id="{087DA8BB-2CDF-0D43-81DF-F6FB88C839AF}"/>
+                <a16:creationId xmlns:a16="http://schemas.microsoft.com/office/drawing/2014/main" id="{13A945AB-44BA-9649-B5D0-C63337EFC1FA}"/>
               </a:ext>
             </a:extLst>
           </p:cNvPr>
@@ -8669,51 +9234,15 @@
         </p:blipFill>
         <p:spPr>
           <a:xfrm>
-            <a:off x="4887119" y="908050"/>
-            <a:ext cx="3759200" cy="3759200"/>
+            <a:off x="4876800" y="1369186"/>
+            <a:ext cx="3779838" cy="2836928"/>
           </a:xfrm>
         </p:spPr>
       </p:pic>
-      <p:sp>
-        <p:nvSpPr>
-          <p:cNvPr id="10" name="TextBox 9">
-            <a:extLst>
-              <a:ext uri="{FF2B5EF4-FFF2-40B4-BE49-F238E27FC236}">
-                <a16:creationId xmlns:a16="http://schemas.microsoft.com/office/drawing/2014/main" id="{C3007D35-F83D-8042-B255-A4E914E389A1}"/>
-              </a:ext>
-            </a:extLst>
-          </p:cNvPr>
-          <p:cNvSpPr txBox="1"/>
-          <p:nvPr/>
-        </p:nvSpPr>
-        <p:spPr>
-          <a:xfrm>
-            <a:off x="2888815" y="4522349"/>
-            <a:ext cx="3996607" cy="261610"/>
-          </a:xfrm>
-          <a:prstGeom prst="rect">
-            <a:avLst/>
-          </a:prstGeom>
-          <a:noFill/>
-        </p:spPr>
-        <p:txBody>
-          <a:bodyPr wrap="none" rtlCol="0">
-            <a:spAutoFit/>
-          </a:bodyPr>
-          <a:lstStyle/>
-          <a:p>
-            <a:pPr algn="ctr"/>
-            <a:r>
-              <a:rPr lang="en-US" sz="1100" dirty="0"/>
-              <a:t>Certain BLs seem to have higher VWL and hence lower resistance</a:t>
-            </a:r>
-          </a:p>
-        </p:txBody>
-      </p:sp>
     </p:spTree>
     <p:extLst>
       <p:ext uri="{BB962C8B-B14F-4D97-AF65-F5344CB8AC3E}">
-        <p14:creationId xmlns:p14="http://schemas.microsoft.com/office/powerpoint/2010/main" val="1448853471"/>
+        <p14:creationId xmlns:p14="http://schemas.microsoft.com/office/powerpoint/2010/main" val="216513152"/>
       </p:ext>
     </p:extLst>
   </p:cSld>
@@ -8748,7 +9277,7 @@
           <p:cNvPr id="2" name="Title 1">
             <a:extLst>
               <a:ext uri="{FF2B5EF4-FFF2-40B4-BE49-F238E27FC236}">
-                <a16:creationId xmlns:a16="http://schemas.microsoft.com/office/drawing/2014/main" id="{303047CF-6E81-B24A-95DC-1EF0CA58A71E}"/>
+                <a16:creationId xmlns:a16="http://schemas.microsoft.com/office/drawing/2014/main" id="{0FAA1459-109F-0643-8664-D4A9BF61859D}"/>
               </a:ext>
             </a:extLst>
           </p:cNvPr>
@@ -8766,17 +9295,17 @@
           <a:p>
             <a:r>
               <a:rPr lang="en-US" dirty="0"/>
-              <a:t>Full-Array FORMing Statistics</a:t>
+              <a:t>Full-Array Programming</a:t>
             </a:r>
           </a:p>
         </p:txBody>
       </p:sp>
       <p:pic>
         <p:nvPicPr>
-          <p:cNvPr id="10" name="Content Placeholder 9">
+          <p:cNvPr id="6" name="Content Placeholder 5">
             <a:extLst>
               <a:ext uri="{FF2B5EF4-FFF2-40B4-BE49-F238E27FC236}">
-                <a16:creationId xmlns:a16="http://schemas.microsoft.com/office/drawing/2014/main" id="{16F0613F-C886-6E4C-A15E-EBCC09320321}"/>
+                <a16:creationId xmlns:a16="http://schemas.microsoft.com/office/drawing/2014/main" id="{9815BE75-8C74-9A45-BA4E-A1C8E5EE7F2B}"/>
               </a:ext>
             </a:extLst>
           </p:cNvPr>
@@ -8789,23 +9318,22 @@
         </p:nvPicPr>
         <p:blipFill>
           <a:blip r:embed="rId2"/>
-          <a:stretch>
-            <a:fillRect/>
-          </a:stretch>
+          <a:srcRect/>
+          <a:stretch/>
         </p:blipFill>
         <p:spPr>
           <a:xfrm>
-            <a:off x="949325" y="1366207"/>
-            <a:ext cx="3787775" cy="2842885"/>
+            <a:off x="963612" y="908050"/>
+            <a:ext cx="3759200" cy="3759200"/>
           </a:xfrm>
         </p:spPr>
       </p:pic>
       <p:pic>
         <p:nvPicPr>
-          <p:cNvPr id="12" name="Content Placeholder 11">
+          <p:cNvPr id="8" name="Content Placeholder 7">
             <a:extLst>
               <a:ext uri="{FF2B5EF4-FFF2-40B4-BE49-F238E27FC236}">
-                <a16:creationId xmlns:a16="http://schemas.microsoft.com/office/drawing/2014/main" id="{13A945AB-44BA-9649-B5D0-C63337EFC1FA}"/>
+                <a16:creationId xmlns:a16="http://schemas.microsoft.com/office/drawing/2014/main" id="{6BBCBFB8-A9EB-5E4C-8AAA-D5A2BE26145D}"/>
               </a:ext>
             </a:extLst>
           </p:cNvPr>
@@ -8818,21 +9346,20 @@
         </p:nvPicPr>
         <p:blipFill>
           <a:blip r:embed="rId3"/>
-          <a:stretch>
-            <a:fillRect/>
-          </a:stretch>
+          <a:srcRect/>
+          <a:stretch/>
         </p:blipFill>
         <p:spPr>
           <a:xfrm>
-            <a:off x="4876800" y="1369186"/>
-            <a:ext cx="3779838" cy="2836928"/>
+            <a:off x="4887119" y="908050"/>
+            <a:ext cx="3759200" cy="3759200"/>
           </a:xfrm>
         </p:spPr>
       </p:pic>
     </p:spTree>
     <p:extLst>
       <p:ext uri="{BB962C8B-B14F-4D97-AF65-F5344CB8AC3E}">
-        <p14:creationId xmlns:p14="http://schemas.microsoft.com/office/powerpoint/2010/main" val="216513152"/>
+        <p14:creationId xmlns:p14="http://schemas.microsoft.com/office/powerpoint/2010/main" val="4118552658"/>
       </p:ext>
     </p:extLst>
   </p:cSld>
@@ -8920,10 +9447,10 @@
       </p:pic>
       <p:pic>
         <p:nvPicPr>
-          <p:cNvPr id="8" name="Content Placeholder 7">
+          <p:cNvPr id="7" name="Content Placeholder 6">
             <a:extLst>
               <a:ext uri="{FF2B5EF4-FFF2-40B4-BE49-F238E27FC236}">
-                <a16:creationId xmlns:a16="http://schemas.microsoft.com/office/drawing/2014/main" id="{6BBCBFB8-A9EB-5E4C-8AAA-D5A2BE26145D}"/>
+                <a16:creationId xmlns:a16="http://schemas.microsoft.com/office/drawing/2014/main" id="{64A3F8BF-8475-6448-9C7D-32CA13EFBBF3}"/>
               </a:ext>
             </a:extLst>
           </p:cNvPr>
@@ -8949,7 +9476,7 @@
     </p:spTree>
     <p:extLst>
       <p:ext uri="{BB962C8B-B14F-4D97-AF65-F5344CB8AC3E}">
-        <p14:creationId xmlns:p14="http://schemas.microsoft.com/office/powerpoint/2010/main" val="4118552658"/>
+        <p14:creationId xmlns:p14="http://schemas.microsoft.com/office/powerpoint/2010/main" val="3788257795"/>
       </p:ext>
     </p:extLst>
   </p:cSld>
@@ -8984,7 +9511,7 @@
           <p:cNvPr id="2" name="Title 1">
             <a:extLst>
               <a:ext uri="{FF2B5EF4-FFF2-40B4-BE49-F238E27FC236}">
-                <a16:creationId xmlns:a16="http://schemas.microsoft.com/office/drawing/2014/main" id="{0FAA1459-109F-0643-8664-D4A9BF61859D}"/>
+                <a16:creationId xmlns:a16="http://schemas.microsoft.com/office/drawing/2014/main" id="{A16B217D-E263-7B4E-B16B-F6390728E959}"/>
               </a:ext>
             </a:extLst>
           </p:cNvPr>
@@ -9012,7 +9539,36 @@
           <p:cNvPr id="6" name="Content Placeholder 5">
             <a:extLst>
               <a:ext uri="{FF2B5EF4-FFF2-40B4-BE49-F238E27FC236}">
-                <a16:creationId xmlns:a16="http://schemas.microsoft.com/office/drawing/2014/main" id="{9815BE75-8C74-9A45-BA4E-A1C8E5EE7F2B}"/>
+                <a16:creationId xmlns:a16="http://schemas.microsoft.com/office/drawing/2014/main" id="{750BF37C-9E8E-0947-BC22-D88CB41444E6}"/>
+              </a:ext>
+            </a:extLst>
+          </p:cNvPr>
+          <p:cNvPicPr>
+            <a:picLocks noGrp="1" noChangeAspect="1"/>
+          </p:cNvPicPr>
+          <p:nvPr>
+            <p:ph sz="quarter" idx="11"/>
+          </p:nvPr>
+        </p:nvPicPr>
+        <p:blipFill>
+          <a:blip r:embed="rId2"/>
+          <a:stretch>
+            <a:fillRect/>
+          </a:stretch>
+        </p:blipFill>
+        <p:spPr>
+          <a:xfrm>
+            <a:off x="4887119" y="908050"/>
+            <a:ext cx="3759200" cy="3759200"/>
+          </a:xfrm>
+        </p:spPr>
+      </p:pic>
+      <p:pic>
+        <p:nvPicPr>
+          <p:cNvPr id="7" name="Content Placeholder 5">
+            <a:extLst>
+              <a:ext uri="{FF2B5EF4-FFF2-40B4-BE49-F238E27FC236}">
+                <a16:creationId xmlns:a16="http://schemas.microsoft.com/office/drawing/2014/main" id="{C91B998F-F15C-9446-B28F-AF5CC432DFD5}"/>
               </a:ext>
             </a:extLst>
           </p:cNvPr>
@@ -9024,41 +9580,13 @@
           </p:nvPr>
         </p:nvPicPr>
         <p:blipFill>
-          <a:blip r:embed="rId2"/>
-          <a:srcRect/>
-          <a:stretch/>
-        </p:blipFill>
-        <p:spPr>
-          <a:xfrm>
-            <a:off x="963612" y="908050"/>
-            <a:ext cx="3759200" cy="3759200"/>
-          </a:xfrm>
-        </p:spPr>
-      </p:pic>
-      <p:pic>
-        <p:nvPicPr>
-          <p:cNvPr id="7" name="Content Placeholder 6">
-            <a:extLst>
-              <a:ext uri="{FF2B5EF4-FFF2-40B4-BE49-F238E27FC236}">
-                <a16:creationId xmlns:a16="http://schemas.microsoft.com/office/drawing/2014/main" id="{64A3F8BF-8475-6448-9C7D-32CA13EFBBF3}"/>
-              </a:ext>
-            </a:extLst>
-          </p:cNvPr>
-          <p:cNvPicPr>
-            <a:picLocks noGrp="1" noChangeAspect="1"/>
-          </p:cNvPicPr>
-          <p:nvPr>
-            <p:ph sz="quarter" idx="11"/>
-          </p:nvPr>
-        </p:nvPicPr>
-        <p:blipFill>
           <a:blip r:embed="rId3"/>
           <a:srcRect/>
           <a:stretch/>
         </p:blipFill>
         <p:spPr>
           <a:xfrm>
-            <a:off x="4887119" y="908050"/>
+            <a:off x="963612" y="908050"/>
             <a:ext cx="3759200" cy="3759200"/>
           </a:xfrm>
         </p:spPr>
@@ -9066,7 +9594,7 @@
     </p:spTree>
     <p:extLst>
       <p:ext uri="{BB962C8B-B14F-4D97-AF65-F5344CB8AC3E}">
-        <p14:creationId xmlns:p14="http://schemas.microsoft.com/office/powerpoint/2010/main" val="3788257795"/>
+        <p14:creationId xmlns:p14="http://schemas.microsoft.com/office/powerpoint/2010/main" val="1578704247"/>
       </p:ext>
     </p:extLst>
   </p:cSld>
